--- a/Presentations/board.pptx
+++ b/Presentations/board.pptx
@@ -3539,7 +3539,7 @@
         </p:nvSpPr>
         <p:spPr>
           <a:xfrm>
-            <a:off x="0" y="7678713"/>
+            <a:off x="349648" y="7678713"/>
             <a:ext cx="9081053" cy="1200329"/>
           </a:xfrm>
           <a:prstGeom prst="rect">
@@ -3577,7 +3577,7 @@
         </p:nvSpPr>
         <p:spPr>
           <a:xfrm>
-            <a:off x="9081053" y="16790103"/>
+            <a:off x="9430701" y="16810029"/>
             <a:ext cx="9081053" cy="646331"/>
           </a:xfrm>
           <a:prstGeom prst="rect">
@@ -3792,7 +3792,7 @@
         </p:nvSpPr>
         <p:spPr>
           <a:xfrm>
-            <a:off x="67384" y="16810029"/>
+            <a:off x="349648" y="16810029"/>
             <a:ext cx="9081053" cy="646331"/>
           </a:xfrm>
           <a:prstGeom prst="rect">

--- a/Presentations/board.pptx
+++ b/Presentations/board.pptx
@@ -7,7 +7,7 @@
   <p:sldIdLst>
     <p:sldId id="256" r:id="rId2"/>
   </p:sldIdLst>
-  <p:sldSz cx="18059400" cy="18059400"/>
+  <p:sldSz cx="19202400" cy="18059400"/>
   <p:notesSz cx="6858000" cy="9144000"/>
   <p:defaultTextStyle>
     <a:defPPr>
@@ -136,8 +136,8 @@
         </p:nvSpPr>
         <p:spPr>
           <a:xfrm>
-            <a:off x="1354455" y="5610123"/>
-            <a:ext cx="15350490" cy="3871065"/>
+            <a:off x="1440180" y="5610124"/>
+            <a:ext cx="16322040" cy="3871065"/>
           </a:xfrm>
         </p:spPr>
         <p:txBody>
@@ -164,8 +164,8 @@
         </p:nvSpPr>
         <p:spPr>
           <a:xfrm>
-            <a:off x="2708910" y="10233660"/>
-            <a:ext cx="12641580" cy="4615180"/>
+            <a:off x="2880360" y="10233660"/>
+            <a:ext cx="13441680" cy="4615180"/>
           </a:xfrm>
         </p:spPr>
         <p:txBody>
@@ -548,8 +548,8 @@
         </p:nvSpPr>
         <p:spPr>
           <a:xfrm>
-            <a:off x="13093065" y="965678"/>
-            <a:ext cx="4063365" cy="20542568"/>
+            <a:off x="13921741" y="965678"/>
+            <a:ext cx="4320540" cy="20542568"/>
           </a:xfrm>
         </p:spPr>
         <p:txBody>
@@ -576,8 +576,8 @@
         </p:nvSpPr>
         <p:spPr>
           <a:xfrm>
-            <a:off x="902970" y="965678"/>
-            <a:ext cx="11889105" cy="20542568"/>
+            <a:off x="960121" y="965678"/>
+            <a:ext cx="12641580" cy="20542568"/>
           </a:xfrm>
         </p:spPr>
         <p:txBody>
@@ -898,8 +898,8 @@
         </p:nvSpPr>
         <p:spPr>
           <a:xfrm>
-            <a:off x="1426568" y="11604837"/>
-            <a:ext cx="15350490" cy="3586798"/>
+            <a:off x="1516857" y="11604837"/>
+            <a:ext cx="16322040" cy="3586798"/>
           </a:xfrm>
         </p:spPr>
         <p:txBody>
@@ -930,8 +930,8 @@
         </p:nvSpPr>
         <p:spPr>
           <a:xfrm>
-            <a:off x="1426568" y="7654346"/>
-            <a:ext cx="15350490" cy="3950492"/>
+            <a:off x="1516857" y="7654346"/>
+            <a:ext cx="16322040" cy="3950492"/>
           </a:xfrm>
         </p:spPr>
         <p:txBody>
@@ -1167,8 +1167,8 @@
         </p:nvSpPr>
         <p:spPr>
           <a:xfrm>
-            <a:off x="902970" y="5618481"/>
-            <a:ext cx="7976235" cy="15889766"/>
+            <a:off x="960121" y="5618481"/>
+            <a:ext cx="8481060" cy="15889766"/>
           </a:xfrm>
         </p:spPr>
         <p:txBody>
@@ -1252,8 +1252,8 @@
         </p:nvSpPr>
         <p:spPr>
           <a:xfrm>
-            <a:off x="9180195" y="5618481"/>
-            <a:ext cx="7976235" cy="15889766"/>
+            <a:off x="9761221" y="5618481"/>
+            <a:ext cx="8481060" cy="15889766"/>
           </a:xfrm>
         </p:spPr>
         <p:txBody>
@@ -1432,8 +1432,8 @@
         </p:nvSpPr>
         <p:spPr>
           <a:xfrm>
-            <a:off x="902970" y="723213"/>
-            <a:ext cx="16253460" cy="3009900"/>
+            <a:off x="960120" y="723213"/>
+            <a:ext cx="17282160" cy="3009900"/>
           </a:xfrm>
         </p:spPr>
         <p:txBody>
@@ -1464,8 +1464,8 @@
         </p:nvSpPr>
         <p:spPr>
           <a:xfrm>
-            <a:off x="902970" y="4042463"/>
-            <a:ext cx="7979371" cy="1684707"/>
+            <a:off x="960121" y="4042464"/>
+            <a:ext cx="8484394" cy="1684707"/>
           </a:xfrm>
         </p:spPr>
         <p:txBody>
@@ -1529,8 +1529,8 @@
         </p:nvSpPr>
         <p:spPr>
           <a:xfrm>
-            <a:off x="902970" y="5727170"/>
-            <a:ext cx="7979371" cy="10405058"/>
+            <a:off x="960121" y="5727170"/>
+            <a:ext cx="8484394" cy="10405058"/>
           </a:xfrm>
         </p:spPr>
         <p:txBody>
@@ -1614,8 +1614,8 @@
         </p:nvSpPr>
         <p:spPr>
           <a:xfrm>
-            <a:off x="9173927" y="4042463"/>
-            <a:ext cx="7982506" cy="1684707"/>
+            <a:off x="9754555" y="4042464"/>
+            <a:ext cx="8487728" cy="1684707"/>
           </a:xfrm>
         </p:spPr>
         <p:txBody>
@@ -1679,8 +1679,8 @@
         </p:nvSpPr>
         <p:spPr>
           <a:xfrm>
-            <a:off x="9173927" y="5727170"/>
-            <a:ext cx="7982506" cy="10405058"/>
+            <a:off x="9754555" y="5727170"/>
+            <a:ext cx="8487728" cy="10405058"/>
           </a:xfrm>
         </p:spPr>
         <p:txBody>
@@ -2072,8 +2072,8 @@
         </p:nvSpPr>
         <p:spPr>
           <a:xfrm>
-            <a:off x="902973" y="719032"/>
-            <a:ext cx="5941418" cy="3060065"/>
+            <a:off x="960123" y="719033"/>
+            <a:ext cx="6317457" cy="3060065"/>
           </a:xfrm>
         </p:spPr>
         <p:txBody>
@@ -2104,8 +2104,8 @@
         </p:nvSpPr>
         <p:spPr>
           <a:xfrm>
-            <a:off x="7060724" y="719033"/>
-            <a:ext cx="10095706" cy="15413198"/>
+            <a:off x="7507605" y="719033"/>
+            <a:ext cx="10734675" cy="15413198"/>
           </a:xfrm>
         </p:spPr>
         <p:txBody>
@@ -2189,8 +2189,8 @@
         </p:nvSpPr>
         <p:spPr>
           <a:xfrm>
-            <a:off x="902973" y="3779098"/>
-            <a:ext cx="5941418" cy="12353133"/>
+            <a:off x="960123" y="3779099"/>
+            <a:ext cx="6317457" cy="12353133"/>
           </a:xfrm>
         </p:spPr>
         <p:txBody>
@@ -2349,8 +2349,8 @@
         </p:nvSpPr>
         <p:spPr>
           <a:xfrm>
-            <a:off x="3539769" y="12641581"/>
-            <a:ext cx="10835640" cy="1492411"/>
+            <a:off x="3763805" y="12641582"/>
+            <a:ext cx="11521440" cy="1492411"/>
           </a:xfrm>
         </p:spPr>
         <p:txBody>
@@ -2381,8 +2381,8 @@
         </p:nvSpPr>
         <p:spPr>
           <a:xfrm>
-            <a:off x="3539769" y="1613640"/>
-            <a:ext cx="10835640" cy="10835640"/>
+            <a:off x="3763805" y="1613640"/>
+            <a:ext cx="11521440" cy="10835640"/>
           </a:xfrm>
         </p:spPr>
         <p:txBody>
@@ -2442,8 +2442,8 @@
         </p:nvSpPr>
         <p:spPr>
           <a:xfrm>
-            <a:off x="3539769" y="14133992"/>
-            <a:ext cx="10835640" cy="2119469"/>
+            <a:off x="3763805" y="14133993"/>
+            <a:ext cx="11521440" cy="2119469"/>
           </a:xfrm>
         </p:spPr>
         <p:txBody>
@@ -2607,8 +2607,8 @@
         </p:nvSpPr>
         <p:spPr>
           <a:xfrm>
-            <a:off x="902970" y="723213"/>
-            <a:ext cx="16253460" cy="3009900"/>
+            <a:off x="960120" y="723213"/>
+            <a:ext cx="17282160" cy="3009900"/>
           </a:xfrm>
           <a:prstGeom prst="rect">
             <a:avLst/>
@@ -2640,8 +2640,8 @@
         </p:nvSpPr>
         <p:spPr>
           <a:xfrm>
-            <a:off x="902970" y="4213863"/>
-            <a:ext cx="16253460" cy="11918369"/>
+            <a:off x="960120" y="4213864"/>
+            <a:ext cx="17282160" cy="11918369"/>
           </a:xfrm>
           <a:prstGeom prst="rect">
             <a:avLst/>
@@ -2702,8 +2702,8 @@
         </p:nvSpPr>
         <p:spPr>
           <a:xfrm>
-            <a:off x="902970" y="16738391"/>
-            <a:ext cx="4213860" cy="961495"/>
+            <a:off x="960120" y="16738392"/>
+            <a:ext cx="4480560" cy="961495"/>
           </a:xfrm>
           <a:prstGeom prst="rect">
             <a:avLst/>
@@ -2743,8 +2743,8 @@
         </p:nvSpPr>
         <p:spPr>
           <a:xfrm>
-            <a:off x="6170295" y="16738391"/>
-            <a:ext cx="5718810" cy="961495"/>
+            <a:off x="6560820" y="16738392"/>
+            <a:ext cx="6080760" cy="961495"/>
           </a:xfrm>
           <a:prstGeom prst="rect">
             <a:avLst/>
@@ -2780,8 +2780,8 @@
         </p:nvSpPr>
         <p:spPr>
           <a:xfrm>
-            <a:off x="12942570" y="16738391"/>
-            <a:ext cx="4213860" cy="961495"/>
+            <a:off x="13761720" y="16738392"/>
+            <a:ext cx="4480560" cy="961495"/>
           </a:xfrm>
           <a:prstGeom prst="rect">
             <a:avLst/>
@@ -3102,14 +3102,43 @@
       </p:grpSpPr>
       <p:pic>
         <p:nvPicPr>
-          <p:cNvPr id="9" name="Picture 8" descr="GettyImages_leaf2.jpg"/>
+          <p:cNvPr id="139" name="Picture 138" descr="GettyImages_leaf.jpg"/>
+          <p:cNvPicPr>
+            <a:picLocks noChangeAspect="1"/>
+          </p:cNvPicPr>
+          <p:nvPr/>
+        </p:nvPicPr>
+        <p:blipFill rotWithShape="1">
+          <a:blip r:embed="rId2">
+            <a:extLst>
+              <a:ext uri="{28A0092B-C50C-407E-A947-70E740481C1C}">
+                <a14:useLocalDpi xmlns:a14="http://schemas.microsoft.com/office/drawing/2010/main" val="0"/>
+              </a:ext>
+            </a:extLst>
+          </a:blip>
+          <a:srcRect t="17048"/>
+          <a:stretch/>
+        </p:blipFill>
+        <p:spPr>
+          <a:xfrm>
+            <a:off x="9006483" y="8975634"/>
+            <a:ext cx="9052560" cy="9098280"/>
+          </a:xfrm>
+          <a:prstGeom prst="rect">
+            <a:avLst/>
+          </a:prstGeom>
+        </p:spPr>
+      </p:pic>
+      <p:pic>
+        <p:nvPicPr>
+          <p:cNvPr id="140" name="Picture 139" descr="BloodVessel.pdf"/>
           <p:cNvPicPr>
             <a:picLocks noChangeAspect="1"/>
           </p:cNvPicPr>
           <p:nvPr/>
         </p:nvPicPr>
         <p:blipFill>
-          <a:blip r:embed="rId2">
+          <a:blip r:embed="rId3">
             <a:extLst>
               <a:ext uri="{28A0092B-C50C-407E-A947-70E740481C1C}">
                 <a14:useLocalDpi xmlns:a14="http://schemas.microsoft.com/office/drawing/2010/main" val="0"/>
@@ -3121,359 +3150,101 @@
           </a:stretch>
         </p:blipFill>
         <p:spPr>
-          <a:xfrm>
-            <a:off x="9148437" y="9096332"/>
-            <a:ext cx="8896037" cy="7334351"/>
+          <a:xfrm flipH="1" flipV="1">
+            <a:off x="0" y="0"/>
+            <a:ext cx="8961120" cy="8961120"/>
           </a:xfrm>
           <a:prstGeom prst="rect">
             <a:avLst/>
           </a:prstGeom>
         </p:spPr>
       </p:pic>
-      <p:cxnSp>
-        <p:nvCxnSpPr>
-          <p:cNvPr id="7" name="Straight Connector 6"/>
-          <p:cNvCxnSpPr/>
+      <p:grpSp>
+        <p:nvGrpSpPr>
+          <p:cNvPr id="142" name="Group 141"/>
+          <p:cNvGrpSpPr/>
           <p:nvPr/>
-        </p:nvCxnSpPr>
-        <p:spPr>
-          <a:xfrm>
-            <a:off x="0" y="9037807"/>
-            <a:ext cx="18059400" cy="0"/>
-          </a:xfrm>
-          <a:prstGeom prst="line">
-            <a:avLst/>
-          </a:prstGeom>
-        </p:spPr>
-        <p:style>
-          <a:lnRef idx="2">
-            <a:schemeClr val="accent1"/>
-          </a:lnRef>
-          <a:fillRef idx="0">
-            <a:schemeClr val="accent1"/>
-          </a:fillRef>
-          <a:effectRef idx="1">
-            <a:schemeClr val="accent1"/>
-          </a:effectRef>
-          <a:fontRef idx="minor">
-            <a:schemeClr val="tx1"/>
-          </a:fontRef>
-        </p:style>
-      </p:cxnSp>
-      <p:sp>
-        <p:nvSpPr>
-          <p:cNvPr id="16" name="Oval 15"/>
-          <p:cNvSpPr/>
-          <p:nvPr/>
-        </p:nvSpPr>
-        <p:spPr>
+        </p:nvGrpSpPr>
+        <p:grpSpPr>
           <a:xfrm>
             <a:off x="13971228" y="10070170"/>
             <a:ext cx="816501" cy="861862"/>
+            <a:chOff x="13971228" y="10070170"/>
+            <a:chExt cx="816501" cy="861862"/>
           </a:xfrm>
-          <a:prstGeom prst="ellipse">
-            <a:avLst/>
-          </a:prstGeom>
-          <a:solidFill>
-            <a:schemeClr val="accent3">
-              <a:lumMod val="40000"/>
-              <a:lumOff val="60000"/>
-            </a:schemeClr>
-          </a:solidFill>
-          <a:ln>
-            <a:noFill/>
-          </a:ln>
-        </p:spPr>
-        <p:style>
-          <a:lnRef idx="1">
-            <a:schemeClr val="accent1"/>
-          </a:lnRef>
-          <a:fillRef idx="3">
-            <a:schemeClr val="accent1"/>
-          </a:fillRef>
-          <a:effectRef idx="2">
-            <a:schemeClr val="accent1"/>
-          </a:effectRef>
-          <a:fontRef idx="minor">
-            <a:schemeClr val="lt1"/>
-          </a:fontRef>
-        </p:style>
-        <p:txBody>
-          <a:bodyPr rtlCol="0" anchor="ctr"/>
-          <a:lstStyle/>
-          <a:p>
-            <a:pPr algn="ctr"/>
-            <a:endParaRPr lang="en-US"/>
-          </a:p>
-        </p:txBody>
-      </p:sp>
-      <p:sp>
-        <p:nvSpPr>
-          <p:cNvPr id="17" name="Oval 16"/>
-          <p:cNvSpPr/>
-          <p:nvPr/>
-        </p:nvSpPr>
-        <p:spPr>
-          <a:xfrm>
-            <a:off x="13971228" y="14766810"/>
-            <a:ext cx="816501" cy="861862"/>
-          </a:xfrm>
-          <a:prstGeom prst="ellipse">
-            <a:avLst/>
-          </a:prstGeom>
-          <a:solidFill>
-            <a:schemeClr val="accent6">
-              <a:lumMod val="60000"/>
-              <a:lumOff val="40000"/>
-            </a:schemeClr>
-          </a:solidFill>
-          <a:ln>
-            <a:noFill/>
-          </a:ln>
-        </p:spPr>
-        <p:style>
-          <a:lnRef idx="1">
-            <a:schemeClr val="accent1"/>
-          </a:lnRef>
-          <a:fillRef idx="3">
-            <a:schemeClr val="accent1"/>
-          </a:fillRef>
-          <a:effectRef idx="2">
-            <a:schemeClr val="accent1"/>
-          </a:effectRef>
-          <a:fontRef idx="minor">
-            <a:schemeClr val="lt1"/>
-          </a:fontRef>
-        </p:style>
-        <p:txBody>
-          <a:bodyPr rtlCol="0" anchor="ctr"/>
-          <a:lstStyle/>
-          <a:p>
-            <a:pPr algn="ctr"/>
-            <a:endParaRPr lang="en-US"/>
-          </a:p>
-        </p:txBody>
-      </p:sp>
-      <p:sp>
-        <p:nvSpPr>
-          <p:cNvPr id="18" name="Oval 17"/>
-          <p:cNvSpPr/>
-          <p:nvPr/>
-        </p:nvSpPr>
-        <p:spPr>
-          <a:xfrm>
-            <a:off x="16861613" y="14883866"/>
-            <a:ext cx="816501" cy="861862"/>
-          </a:xfrm>
-          <a:prstGeom prst="ellipse">
-            <a:avLst/>
-          </a:prstGeom>
-          <a:solidFill>
-            <a:srgbClr val="FF6600"/>
-          </a:solidFill>
-          <a:ln>
-            <a:noFill/>
-          </a:ln>
-        </p:spPr>
-        <p:style>
-          <a:lnRef idx="1">
-            <a:schemeClr val="accent1"/>
-          </a:lnRef>
-          <a:fillRef idx="3">
-            <a:schemeClr val="accent1"/>
-          </a:fillRef>
-          <a:effectRef idx="2">
-            <a:schemeClr val="accent1"/>
-          </a:effectRef>
-          <a:fontRef idx="minor">
-            <a:schemeClr val="lt1"/>
-          </a:fontRef>
-        </p:style>
-        <p:txBody>
-          <a:bodyPr rtlCol="0" anchor="ctr"/>
-          <a:lstStyle/>
-          <a:p>
-            <a:pPr algn="ctr"/>
-            <a:endParaRPr lang="en-US"/>
-          </a:p>
-        </p:txBody>
-      </p:sp>
-      <p:sp>
-        <p:nvSpPr>
-          <p:cNvPr id="19" name="Oval 18"/>
-          <p:cNvSpPr/>
-          <p:nvPr/>
-        </p:nvSpPr>
-        <p:spPr>
-          <a:xfrm>
-            <a:off x="10131848" y="12613983"/>
-            <a:ext cx="816501" cy="861862"/>
-          </a:xfrm>
-          <a:prstGeom prst="ellipse">
-            <a:avLst/>
-          </a:prstGeom>
-          <a:solidFill>
-            <a:schemeClr val="accent1">
-              <a:lumMod val="40000"/>
-              <a:lumOff val="60000"/>
-            </a:schemeClr>
-          </a:solidFill>
-          <a:ln>
-            <a:noFill/>
-          </a:ln>
-        </p:spPr>
-        <p:style>
-          <a:lnRef idx="1">
-            <a:schemeClr val="accent1"/>
-          </a:lnRef>
-          <a:fillRef idx="3">
-            <a:schemeClr val="accent1"/>
-          </a:fillRef>
-          <a:effectRef idx="2">
-            <a:schemeClr val="accent1"/>
-          </a:effectRef>
-          <a:fontRef idx="minor">
-            <a:schemeClr val="lt1"/>
-          </a:fontRef>
-        </p:style>
-        <p:txBody>
-          <a:bodyPr rtlCol="0" anchor="ctr"/>
-          <a:lstStyle/>
-          <a:p>
-            <a:pPr algn="ctr"/>
-            <a:endParaRPr lang="en-US"/>
-          </a:p>
-        </p:txBody>
-      </p:sp>
+        </p:grpSpPr>
+        <p:sp>
+          <p:nvSpPr>
+            <p:cNvPr id="143" name="Oval 142"/>
+            <p:cNvSpPr/>
+            <p:nvPr/>
+          </p:nvSpPr>
+          <p:spPr>
+            <a:xfrm>
+              <a:off x="13971228" y="10070170"/>
+              <a:ext cx="816501" cy="861862"/>
+            </a:xfrm>
+            <a:prstGeom prst="ellipse">
+              <a:avLst/>
+            </a:prstGeom>
+            <a:solidFill>
+              <a:srgbClr val="FFFF00"/>
+            </a:solidFill>
+            <a:ln>
+              <a:noFill/>
+            </a:ln>
+          </p:spPr>
+          <p:style>
+            <a:lnRef idx="1">
+              <a:schemeClr val="accent1"/>
+            </a:lnRef>
+            <a:fillRef idx="3">
+              <a:schemeClr val="accent1"/>
+            </a:fillRef>
+            <a:effectRef idx="2">
+              <a:schemeClr val="accent1"/>
+            </a:effectRef>
+            <a:fontRef idx="minor">
+              <a:schemeClr val="lt1"/>
+            </a:fontRef>
+          </p:style>
+          <p:txBody>
+            <a:bodyPr rtlCol="0" anchor="ctr"/>
+            <a:lstStyle/>
+            <a:p>
+              <a:pPr algn="ctr"/>
+              <a:endParaRPr lang="en-US"/>
+            </a:p>
+          </p:txBody>
+        </p:sp>
+        <p:pic>
+          <p:nvPicPr>
+            <p:cNvPr id="144" name="Picture 143"/>
+            <p:cNvPicPr>
+              <a:picLocks noChangeAspect="1"/>
+            </p:cNvPicPr>
+            <p:nvPr/>
+          </p:nvPicPr>
+          <p:blipFill>
+            <a:blip r:embed="rId4"/>
+            <a:stretch>
+              <a:fillRect/>
+            </a:stretch>
+          </p:blipFill>
+          <p:spPr>
+            <a:xfrm>
+              <a:off x="14025660" y="10190658"/>
+              <a:ext cx="712840" cy="559255"/>
+            </a:xfrm>
+            <a:prstGeom prst="rect">
+              <a:avLst/>
+            </a:prstGeom>
+          </p:spPr>
+        </p:pic>
+      </p:grpSp>
       <p:pic>
         <p:nvPicPr>
-          <p:cNvPr id="4" name="Picture 3"/>
-          <p:cNvPicPr>
-            <a:picLocks noChangeAspect="1"/>
-          </p:cNvPicPr>
-          <p:nvPr/>
-        </p:nvPicPr>
-        <p:blipFill>
-          <a:blip r:embed="rId3"/>
-          <a:stretch>
-            <a:fillRect/>
-          </a:stretch>
-        </p:blipFill>
-        <p:spPr>
-          <a:xfrm>
-            <a:off x="13598872" y="9992118"/>
-            <a:ext cx="1198037" cy="939914"/>
-          </a:xfrm>
-          <a:prstGeom prst="rect">
-            <a:avLst/>
-          </a:prstGeom>
-        </p:spPr>
-      </p:pic>
-      <p:pic>
-        <p:nvPicPr>
-          <p:cNvPr id="23" name="Picture 22"/>
-          <p:cNvPicPr>
-            <a:picLocks noChangeAspect="1"/>
-          </p:cNvPicPr>
-          <p:nvPr/>
-        </p:nvPicPr>
-        <p:blipFill>
-          <a:blip r:embed="rId3"/>
-          <a:stretch>
-            <a:fillRect/>
-          </a:stretch>
-        </p:blipFill>
-        <p:spPr>
-          <a:xfrm>
-            <a:off x="16824753" y="14921037"/>
-            <a:ext cx="801446" cy="628770"/>
-          </a:xfrm>
-          <a:prstGeom prst="rect">
-            <a:avLst/>
-          </a:prstGeom>
-        </p:spPr>
-      </p:pic>
-      <p:pic>
-        <p:nvPicPr>
-          <p:cNvPr id="24" name="Picture 23"/>
-          <p:cNvPicPr>
-            <a:picLocks noChangeAspect="1"/>
-          </p:cNvPicPr>
-          <p:nvPr/>
-        </p:nvPicPr>
-        <p:blipFill>
-          <a:blip r:embed="rId3"/>
-          <a:stretch>
-            <a:fillRect/>
-          </a:stretch>
-        </p:blipFill>
-        <p:spPr>
-          <a:xfrm>
-            <a:off x="9939858" y="12684639"/>
-            <a:ext cx="1008491" cy="791206"/>
-          </a:xfrm>
-          <a:prstGeom prst="rect">
-            <a:avLst/>
-          </a:prstGeom>
-        </p:spPr>
-      </p:pic>
-      <p:pic>
-        <p:nvPicPr>
-          <p:cNvPr id="25" name="Picture 24"/>
-          <p:cNvPicPr>
-            <a:picLocks noChangeAspect="1"/>
-          </p:cNvPicPr>
-          <p:nvPr/>
-        </p:nvPicPr>
-        <p:blipFill>
-          <a:blip r:embed="rId3"/>
-          <a:stretch>
-            <a:fillRect/>
-          </a:stretch>
-        </p:blipFill>
-        <p:spPr>
-          <a:xfrm>
-            <a:off x="14505434" y="13475845"/>
-            <a:ext cx="825681" cy="647784"/>
-          </a:xfrm>
-          <a:prstGeom prst="rect">
-            <a:avLst/>
-          </a:prstGeom>
-        </p:spPr>
-      </p:pic>
-      <p:pic>
-        <p:nvPicPr>
-          <p:cNvPr id="8" name="Picture 7" descr="CancerCells2.pdf"/>
-          <p:cNvPicPr>
-            <a:picLocks noChangeAspect="1"/>
-          </p:cNvPicPr>
-          <p:nvPr/>
-        </p:nvPicPr>
-        <p:blipFill>
-          <a:blip r:embed="rId4">
-            <a:extLst>
-              <a:ext uri="{28A0092B-C50C-407E-A947-70E740481C1C}">
-                <a14:useLocalDpi xmlns:a14="http://schemas.microsoft.com/office/drawing/2010/main" val="0"/>
-              </a:ext>
-            </a:extLst>
-          </a:blip>
-          <a:stretch>
-            <a:fillRect/>
-          </a:stretch>
-        </p:blipFill>
-        <p:spPr>
-          <a:xfrm>
-            <a:off x="0" y="0"/>
-            <a:ext cx="9081053" cy="7334895"/>
-          </a:xfrm>
-          <a:prstGeom prst="rect">
-            <a:avLst/>
-          </a:prstGeom>
-        </p:spPr>
-      </p:pic>
-      <p:pic>
-        <p:nvPicPr>
-          <p:cNvPr id="26" name="Picture 25" descr="Neuron.pdf"/>
+          <p:cNvPr id="145" name="Picture 144" descr="Neuron.pdf"/>
           <p:cNvPicPr>
             <a:picLocks noChangeAspect="1"/>
           </p:cNvPicPr>
@@ -3501,16 +3272,275 @@
           </a:prstGeom>
         </p:spPr>
       </p:pic>
+      <p:sp>
+        <p:nvSpPr>
+          <p:cNvPr id="146" name="TextBox 145"/>
+          <p:cNvSpPr txBox="1"/>
+          <p:nvPr/>
+        </p:nvSpPr>
+        <p:spPr>
+          <a:xfrm>
+            <a:off x="5511800" y="7404682"/>
+            <a:ext cx="3220720" cy="1077218"/>
+          </a:xfrm>
+          <a:prstGeom prst="rect">
+            <a:avLst/>
+          </a:prstGeom>
+          <a:noFill/>
+          <a:effectLst/>
+        </p:spPr>
+        <p:txBody>
+          <a:bodyPr wrap="square" rtlCol="0">
+            <a:spAutoFit/>
+          </a:bodyPr>
+          <a:lstStyle/>
+          <a:p>
+            <a:pPr algn="r"/>
+            <a:r>
+              <a:rPr lang="en-US" sz="3200" dirty="0" smtClean="0"/>
+              <a:t>Patch d</a:t>
+            </a:r>
+            <a:r>
+              <a:rPr lang="en-US" sz="3200" dirty="0" smtClean="0"/>
+              <a:t>amaged </a:t>
+            </a:r>
+            <a:r>
+              <a:rPr lang="en-US" sz="3200" dirty="0"/>
+              <a:t>blood </a:t>
+            </a:r>
+            <a:r>
+              <a:rPr lang="en-US" sz="3200" dirty="0" smtClean="0"/>
+              <a:t>vessels</a:t>
+            </a:r>
+            <a:endParaRPr lang="en-US" sz="3200" dirty="0"/>
+          </a:p>
+        </p:txBody>
+      </p:sp>
+      <p:sp>
+        <p:nvSpPr>
+          <p:cNvPr id="147" name="TextBox 146"/>
+          <p:cNvSpPr txBox="1"/>
+          <p:nvPr/>
+        </p:nvSpPr>
+        <p:spPr>
+          <a:xfrm>
+            <a:off x="9148437" y="7390781"/>
+            <a:ext cx="5795980" cy="584776"/>
+          </a:xfrm>
+          <a:prstGeom prst="rect">
+            <a:avLst/>
+          </a:prstGeom>
+          <a:noFill/>
+        </p:spPr>
+        <p:txBody>
+          <a:bodyPr wrap="square" rtlCol="0">
+            <a:spAutoFit/>
+          </a:bodyPr>
+          <a:lstStyle/>
+          <a:p>
+            <a:r>
+              <a:rPr lang="en-US" sz="3200" dirty="0" smtClean="0"/>
+              <a:t>Reconnect a severed neuron</a:t>
+            </a:r>
+            <a:endParaRPr lang="en-US" sz="3200" dirty="0"/>
+          </a:p>
+        </p:txBody>
+      </p:sp>
+      <p:grpSp>
+        <p:nvGrpSpPr>
+          <p:cNvPr id="148" name="Group 147"/>
+          <p:cNvGrpSpPr/>
+          <p:nvPr/>
+        </p:nvGrpSpPr>
+        <p:grpSpPr>
+          <a:xfrm>
+            <a:off x="15519578" y="11959725"/>
+            <a:ext cx="816501" cy="861862"/>
+            <a:chOff x="13971228" y="14766810"/>
+            <a:chExt cx="816501" cy="861862"/>
+          </a:xfrm>
+        </p:grpSpPr>
+        <p:sp>
+          <p:nvSpPr>
+            <p:cNvPr id="149" name="Oval 148"/>
+            <p:cNvSpPr/>
+            <p:nvPr/>
+          </p:nvSpPr>
+          <p:spPr>
+            <a:xfrm>
+              <a:off x="13971228" y="14766810"/>
+              <a:ext cx="816501" cy="861862"/>
+            </a:xfrm>
+            <a:prstGeom prst="ellipse">
+              <a:avLst/>
+            </a:prstGeom>
+            <a:solidFill>
+              <a:srgbClr val="FF0000"/>
+            </a:solidFill>
+            <a:ln>
+              <a:noFill/>
+            </a:ln>
+          </p:spPr>
+          <p:style>
+            <a:lnRef idx="1">
+              <a:schemeClr val="accent1"/>
+            </a:lnRef>
+            <a:fillRef idx="3">
+              <a:schemeClr val="accent1"/>
+            </a:fillRef>
+            <a:effectRef idx="2">
+              <a:schemeClr val="accent1"/>
+            </a:effectRef>
+            <a:fontRef idx="minor">
+              <a:schemeClr val="lt1"/>
+            </a:fontRef>
+          </p:style>
+          <p:txBody>
+            <a:bodyPr rtlCol="0" anchor="ctr"/>
+            <a:lstStyle/>
+            <a:p>
+              <a:pPr algn="ctr"/>
+              <a:endParaRPr lang="en-US" dirty="0" smtClean="0"/>
+            </a:p>
+            <a:p>
+              <a:pPr algn="ctr"/>
+              <a:r>
+                <a:rPr lang="en-US" dirty="0"/>
+                <a:t/>
+              </a:r>
+              <a:endParaRPr lang="en-US" dirty="0"/>
+            </a:p>
+          </p:txBody>
+        </p:sp>
+        <p:pic>
+          <p:nvPicPr>
+            <p:cNvPr id="150" name="Picture 149" descr="Stearic_acid.pdf"/>
+            <p:cNvPicPr>
+              <a:picLocks noChangeAspect="1"/>
+            </p:cNvPicPr>
+            <p:nvPr/>
+          </p:nvPicPr>
+          <p:blipFill rotWithShape="1">
+            <a:blip r:embed="rId6">
+              <a:extLst>
+                <a:ext uri="{28A0092B-C50C-407E-A947-70E740481C1C}">
+                  <a14:useLocalDpi xmlns:a14="http://schemas.microsoft.com/office/drawing/2010/main" val="0"/>
+                </a:ext>
+              </a:extLst>
+            </a:blip>
+            <a:srcRect l="63027"/>
+            <a:stretch/>
+          </p:blipFill>
+          <p:spPr>
+            <a:xfrm>
+              <a:off x="14021706" y="15013522"/>
+              <a:ext cx="716794" cy="271306"/>
+            </a:xfrm>
+            <a:prstGeom prst="rect">
+              <a:avLst/>
+            </a:prstGeom>
+          </p:spPr>
+        </p:pic>
+      </p:grpSp>
+      <p:grpSp>
+        <p:nvGrpSpPr>
+          <p:cNvPr id="151" name="Group 150"/>
+          <p:cNvGrpSpPr/>
+          <p:nvPr/>
+        </p:nvGrpSpPr>
+        <p:grpSpPr>
+          <a:xfrm>
+            <a:off x="9522248" y="11752121"/>
+            <a:ext cx="816501" cy="861862"/>
+            <a:chOff x="10131848" y="12613983"/>
+            <a:chExt cx="816501" cy="861862"/>
+          </a:xfrm>
+        </p:grpSpPr>
+        <p:sp>
+          <p:nvSpPr>
+            <p:cNvPr id="152" name="Oval 151"/>
+            <p:cNvSpPr/>
+            <p:nvPr/>
+          </p:nvSpPr>
+          <p:spPr>
+            <a:xfrm>
+              <a:off x="10131848" y="12613983"/>
+              <a:ext cx="816501" cy="861862"/>
+            </a:xfrm>
+            <a:prstGeom prst="ellipse">
+              <a:avLst/>
+            </a:prstGeom>
+            <a:solidFill>
+              <a:srgbClr val="008000"/>
+            </a:solidFill>
+            <a:ln>
+              <a:noFill/>
+            </a:ln>
+          </p:spPr>
+          <p:style>
+            <a:lnRef idx="1">
+              <a:schemeClr val="accent1"/>
+            </a:lnRef>
+            <a:fillRef idx="3">
+              <a:schemeClr val="accent1"/>
+            </a:fillRef>
+            <a:effectRef idx="2">
+              <a:schemeClr val="accent1"/>
+            </a:effectRef>
+            <a:fontRef idx="minor">
+              <a:schemeClr val="lt1"/>
+            </a:fontRef>
+          </p:style>
+          <p:txBody>
+            <a:bodyPr rtlCol="0" anchor="ctr"/>
+            <a:lstStyle/>
+            <a:p>
+              <a:pPr algn="ctr"/>
+              <a:endParaRPr lang="en-US"/>
+            </a:p>
+          </p:txBody>
+        </p:sp>
+        <p:pic>
+          <p:nvPicPr>
+            <p:cNvPr id="153" name="Picture 152" descr="Saccharose.pdf"/>
+            <p:cNvPicPr>
+              <a:picLocks noChangeAspect="1"/>
+            </p:cNvPicPr>
+            <p:nvPr/>
+          </p:nvPicPr>
+          <p:blipFill>
+            <a:blip r:embed="rId7">
+              <a:extLst>
+                <a:ext uri="{28A0092B-C50C-407E-A947-70E740481C1C}">
+                  <a14:useLocalDpi xmlns:a14="http://schemas.microsoft.com/office/drawing/2010/main" val="0"/>
+                </a:ext>
+              </a:extLst>
+            </a:blip>
+            <a:stretch>
+              <a:fillRect/>
+            </a:stretch>
+          </p:blipFill>
+          <p:spPr>
+            <a:xfrm>
+              <a:off x="10141012" y="12851937"/>
+              <a:ext cx="807337" cy="418294"/>
+            </a:xfrm>
+            <a:prstGeom prst="rect">
+              <a:avLst/>
+            </a:prstGeom>
+          </p:spPr>
+        </p:pic>
+      </p:grpSp>
       <p:pic>
         <p:nvPicPr>
-          <p:cNvPr id="28" name="Picture 27" descr="BloodVesselDamaged.png"/>
+          <p:cNvPr id="154" name="Picture 153" descr="CancerCells2.pdf"/>
           <p:cNvPicPr>
             <a:picLocks noChangeAspect="1"/>
           </p:cNvPicPr>
           <p:nvPr/>
         </p:nvPicPr>
         <p:blipFill>
-          <a:blip r:embed="rId6">
+          <a:blip r:embed="rId8">
             <a:extLst>
               <a:ext uri="{28A0092B-C50C-407E-A947-70E740481C1C}">
                 <a14:useLocalDpi xmlns:a14="http://schemas.microsoft.com/office/drawing/2010/main" val="0"/>
@@ -3523,327 +3553,2756 @@
         </p:blipFill>
         <p:spPr>
           <a:xfrm>
-            <a:off x="0" y="9096331"/>
-            <a:ext cx="9081053" cy="7334351"/>
+            <a:off x="-46077" y="9015560"/>
+            <a:ext cx="9052560" cy="9052560"/>
           </a:xfrm>
           <a:prstGeom prst="rect">
             <a:avLst/>
           </a:prstGeom>
         </p:spPr>
       </p:pic>
-      <p:sp>
-        <p:nvSpPr>
-          <p:cNvPr id="29" name="TextBox 28"/>
-          <p:cNvSpPr txBox="1"/>
+      <p:grpSp>
+        <p:nvGrpSpPr>
+          <p:cNvPr id="155" name="Group 154"/>
+          <p:cNvGrpSpPr/>
           <p:nvPr/>
-        </p:nvSpPr>
-        <p:spPr>
+        </p:nvGrpSpPr>
+        <p:grpSpPr>
           <a:xfrm>
-            <a:off x="349648" y="7678713"/>
-            <a:ext cx="9081053" cy="1200329"/>
+            <a:off x="1244401" y="9315544"/>
+            <a:ext cx="4128968" cy="1682634"/>
+            <a:chOff x="-3894493" y="9898351"/>
+            <a:chExt cx="4128968" cy="1682634"/>
           </a:xfrm>
-          <a:prstGeom prst="rect">
-            <a:avLst/>
-          </a:prstGeom>
-          <a:noFill/>
-        </p:spPr>
-        <p:txBody>
-          <a:bodyPr wrap="square" rtlCol="0">
-            <a:spAutoFit/>
-          </a:bodyPr>
-          <a:lstStyle/>
-          <a:p>
-            <a:r>
-              <a:rPr lang="en-US" dirty="0" smtClean="0"/>
-              <a:t>Be a </a:t>
-            </a:r>
-            <a:r>
-              <a:rPr lang="en-US" dirty="0" err="1" smtClean="0"/>
-              <a:t>nano</a:t>
-            </a:r>
-            <a:r>
-              <a:rPr lang="en-US" dirty="0" smtClean="0"/>
-              <a:t> robot! Kill cancer cells, not healthy cells.</a:t>
-            </a:r>
-            <a:endParaRPr lang="en-US" dirty="0"/>
-          </a:p>
-        </p:txBody>
-      </p:sp>
-      <p:sp>
-        <p:nvSpPr>
-          <p:cNvPr id="30" name="TextBox 29"/>
-          <p:cNvSpPr txBox="1"/>
+        </p:grpSpPr>
+        <p:sp>
+          <p:nvSpPr>
+            <p:cNvPr id="156" name="TextBox 155"/>
+            <p:cNvSpPr txBox="1"/>
+            <p:nvPr/>
+          </p:nvSpPr>
+          <p:spPr>
+            <a:xfrm>
+              <a:off x="-3894493" y="9898351"/>
+              <a:ext cx="4128968" cy="1569660"/>
+            </a:xfrm>
+            <a:prstGeom prst="rect">
+              <a:avLst/>
+            </a:prstGeom>
+            <a:solidFill>
+              <a:schemeClr val="bg1"/>
+            </a:solidFill>
+            <a:effectLst>
+              <a:outerShdw blurRad="50800" dist="38100" dir="2700000" algn="tl" rotWithShape="0">
+                <a:srgbClr val="000000">
+                  <a:alpha val="43000"/>
+                </a:srgbClr>
+              </a:outerShdw>
+            </a:effectLst>
+          </p:spPr>
+          <p:txBody>
+            <a:bodyPr wrap="square" rtlCol="0">
+              <a:spAutoFit/>
+            </a:bodyPr>
+            <a:lstStyle/>
+            <a:p>
+              <a:r>
+                <a:rPr lang="en-US" sz="3200" dirty="0" smtClean="0"/>
+                <a:t>Targeted drug delivery:</a:t>
+              </a:r>
+            </a:p>
+            <a:p>
+              <a:r>
+                <a:rPr lang="en-US" sz="3200" dirty="0"/>
+                <a:t>c</a:t>
+              </a:r>
+              <a:r>
+                <a:rPr lang="en-US" sz="3200" dirty="0" smtClean="0"/>
+                <a:t>over </a:t>
+              </a:r>
+              <a:r>
+                <a:rPr lang="en-US" sz="3200" dirty="0"/>
+                <a:t>cancer </a:t>
+              </a:r>
+              <a:r>
+                <a:rPr lang="en-US" sz="3200" dirty="0" smtClean="0"/>
+                <a:t>cells      ,</a:t>
+              </a:r>
+            </a:p>
+            <a:p>
+              <a:r>
+                <a:rPr lang="en-US" sz="3200" dirty="0" smtClean="0"/>
+                <a:t>not </a:t>
+              </a:r>
+              <a:r>
+                <a:rPr lang="en-US" sz="3200" dirty="0"/>
+                <a:t>healthy </a:t>
+              </a:r>
+              <a:r>
+                <a:rPr lang="en-US" sz="3200" dirty="0" smtClean="0"/>
+                <a:t>cells     </a:t>
+              </a:r>
+              <a:endParaRPr lang="en-US" sz="3200" dirty="0"/>
+            </a:p>
+          </p:txBody>
+        </p:sp>
+        <p:pic>
+          <p:nvPicPr>
+            <p:cNvPr id="157" name="Picture 156" descr="HealthyCellsKey.pdf"/>
+            <p:cNvPicPr>
+              <a:picLocks noChangeAspect="1"/>
+            </p:cNvPicPr>
+            <p:nvPr/>
+          </p:nvPicPr>
+          <p:blipFill>
+            <a:blip r:embed="rId9">
+              <a:extLst>
+                <a:ext uri="{28A0092B-C50C-407E-A947-70E740481C1C}">
+                  <a14:useLocalDpi xmlns:a14="http://schemas.microsoft.com/office/drawing/2010/main" val="0"/>
+                </a:ext>
+              </a:extLst>
+            </a:blip>
+            <a:stretch>
+              <a:fillRect/>
+            </a:stretch>
+          </p:blipFill>
+          <p:spPr>
+            <a:xfrm>
+              <a:off x="-1110251" y="10835670"/>
+              <a:ext cx="621096" cy="745315"/>
+            </a:xfrm>
+            <a:prstGeom prst="rect">
+              <a:avLst/>
+            </a:prstGeom>
+          </p:spPr>
+        </p:pic>
+        <p:pic>
+          <p:nvPicPr>
+            <p:cNvPr id="158" name="Picture 157" descr="CancerCellsKey.pdf"/>
+            <p:cNvPicPr>
+              <a:picLocks noChangeAspect="1"/>
+            </p:cNvPicPr>
+            <p:nvPr/>
+          </p:nvPicPr>
+          <p:blipFill>
+            <a:blip r:embed="rId10">
+              <a:extLst>
+                <a:ext uri="{28A0092B-C50C-407E-A947-70E740481C1C}">
+                  <a14:useLocalDpi xmlns:a14="http://schemas.microsoft.com/office/drawing/2010/main" val="0"/>
+                </a:ext>
+              </a:extLst>
+            </a:blip>
+            <a:stretch>
+              <a:fillRect/>
+            </a:stretch>
+          </p:blipFill>
+          <p:spPr>
+            <a:xfrm>
+              <a:off x="-819243" y="10351349"/>
+              <a:ext cx="539024" cy="646829"/>
+            </a:xfrm>
+            <a:prstGeom prst="rect">
+              <a:avLst/>
+            </a:prstGeom>
+          </p:spPr>
+        </p:pic>
+      </p:grpSp>
+      <p:grpSp>
+        <p:nvGrpSpPr>
+          <p:cNvPr id="159" name="Group 158"/>
+          <p:cNvGrpSpPr/>
           <p:nvPr/>
-        </p:nvSpPr>
-        <p:spPr>
+        </p:nvGrpSpPr>
+        <p:grpSpPr>
           <a:xfrm>
-            <a:off x="9430701" y="16810029"/>
-            <a:ext cx="9081053" cy="646331"/>
+            <a:off x="16861613" y="14883866"/>
+            <a:ext cx="816501" cy="861862"/>
+            <a:chOff x="16861613" y="14883866"/>
+            <a:chExt cx="816501" cy="861862"/>
           </a:xfrm>
-          <a:prstGeom prst="rect">
-            <a:avLst/>
-          </a:prstGeom>
-          <a:noFill/>
-        </p:spPr>
-        <p:txBody>
-          <a:bodyPr wrap="square" rtlCol="0">
-            <a:spAutoFit/>
-          </a:bodyPr>
-          <a:lstStyle/>
-          <a:p>
-            <a:r>
-              <a:rPr lang="en-US" dirty="0" smtClean="0"/>
-              <a:t>Colored cells need key nutrients.</a:t>
-            </a:r>
-            <a:endParaRPr lang="en-US" dirty="0"/>
-          </a:p>
-        </p:txBody>
-      </p:sp>
-      <p:sp>
-        <p:nvSpPr>
-          <p:cNvPr id="32" name="Oval 31"/>
-          <p:cNvSpPr/>
+        </p:grpSpPr>
+        <p:sp>
+          <p:nvSpPr>
+            <p:cNvPr id="160" name="Oval 159"/>
+            <p:cNvSpPr/>
+            <p:nvPr/>
+          </p:nvSpPr>
+          <p:spPr>
+            <a:xfrm>
+              <a:off x="16861613" y="14883866"/>
+              <a:ext cx="816501" cy="861862"/>
+            </a:xfrm>
+            <a:prstGeom prst="ellipse">
+              <a:avLst/>
+            </a:prstGeom>
+            <a:solidFill>
+              <a:srgbClr val="FF6600"/>
+            </a:solidFill>
+            <a:ln>
+              <a:noFill/>
+            </a:ln>
+          </p:spPr>
+          <p:style>
+            <a:lnRef idx="1">
+              <a:schemeClr val="accent1"/>
+            </a:lnRef>
+            <a:fillRef idx="3">
+              <a:schemeClr val="accent1"/>
+            </a:fillRef>
+            <a:effectRef idx="2">
+              <a:schemeClr val="accent1"/>
+            </a:effectRef>
+            <a:fontRef idx="minor">
+              <a:schemeClr val="lt1"/>
+            </a:fontRef>
+          </p:style>
+          <p:txBody>
+            <a:bodyPr rtlCol="0" anchor="ctr"/>
+            <a:lstStyle/>
+            <a:p>
+              <a:pPr algn="ctr"/>
+              <a:endParaRPr lang="en-US" dirty="0"/>
+            </a:p>
+          </p:txBody>
+        </p:sp>
+        <p:pic>
+          <p:nvPicPr>
+            <p:cNvPr id="161" name="Picture 160" descr="Alpha-D-Glucopyranose.pdf"/>
+            <p:cNvPicPr>
+              <a:picLocks noChangeAspect="1"/>
+            </p:cNvPicPr>
+            <p:nvPr/>
+          </p:nvPicPr>
+          <p:blipFill>
+            <a:blip r:embed="rId11">
+              <a:extLst>
+                <a:ext uri="{28A0092B-C50C-407E-A947-70E740481C1C}">
+                  <a14:useLocalDpi xmlns:a14="http://schemas.microsoft.com/office/drawing/2010/main" val="0"/>
+                </a:ext>
+              </a:extLst>
+            </a:blip>
+            <a:stretch>
+              <a:fillRect/>
+            </a:stretch>
+          </p:blipFill>
+          <p:spPr>
+            <a:xfrm>
+              <a:off x="16959658" y="14970252"/>
+              <a:ext cx="718456" cy="775476"/>
+            </a:xfrm>
+            <a:prstGeom prst="rect">
+              <a:avLst/>
+            </a:prstGeom>
+          </p:spPr>
+        </p:pic>
+      </p:grpSp>
+      <p:grpSp>
+        <p:nvGrpSpPr>
+          <p:cNvPr id="162" name="Group 161"/>
+          <p:cNvGrpSpPr/>
           <p:nvPr/>
-        </p:nvSpPr>
-        <p:spPr>
+        </p:nvGrpSpPr>
+        <p:grpSpPr>
           <a:xfrm>
-            <a:off x="15331115" y="16987743"/>
-            <a:ext cx="259505" cy="385185"/>
+            <a:off x="12259401" y="12639383"/>
+            <a:ext cx="816501" cy="861862"/>
+            <a:chOff x="11167201" y="13791450"/>
+            <a:chExt cx="816501" cy="861862"/>
           </a:xfrm>
-          <a:prstGeom prst="ellipse">
-            <a:avLst/>
-          </a:prstGeom>
-          <a:solidFill>
-            <a:srgbClr val="FF6600"/>
-          </a:solidFill>
-          <a:ln>
-            <a:noFill/>
-          </a:ln>
-        </p:spPr>
-        <p:style>
-          <a:lnRef idx="1">
-            <a:schemeClr val="accent1"/>
-          </a:lnRef>
-          <a:fillRef idx="3">
-            <a:schemeClr val="accent1"/>
-          </a:fillRef>
-          <a:effectRef idx="2">
-            <a:schemeClr val="accent1"/>
-          </a:effectRef>
-          <a:fontRef idx="minor">
-            <a:schemeClr val="lt1"/>
-          </a:fontRef>
-        </p:style>
-        <p:txBody>
-          <a:bodyPr rtlCol="0" anchor="ctr"/>
-          <a:lstStyle/>
-          <a:p>
-            <a:pPr algn="ctr"/>
-            <a:endParaRPr lang="en-US"/>
-          </a:p>
-        </p:txBody>
-      </p:sp>
-      <p:sp>
-        <p:nvSpPr>
-          <p:cNvPr id="33" name="Oval 32"/>
-          <p:cNvSpPr/>
+        </p:grpSpPr>
+        <p:sp>
+          <p:nvSpPr>
+            <p:cNvPr id="163" name="Oval 162"/>
+            <p:cNvSpPr/>
+            <p:nvPr/>
+          </p:nvSpPr>
+          <p:spPr>
+            <a:xfrm>
+              <a:off x="11167201" y="13791450"/>
+              <a:ext cx="816501" cy="861862"/>
+            </a:xfrm>
+            <a:prstGeom prst="ellipse">
+              <a:avLst/>
+            </a:prstGeom>
+            <a:solidFill>
+              <a:schemeClr val="accent6">
+                <a:lumMod val="60000"/>
+                <a:lumOff val="40000"/>
+              </a:schemeClr>
+            </a:solidFill>
+            <a:ln>
+              <a:noFill/>
+            </a:ln>
+          </p:spPr>
+          <p:style>
+            <a:lnRef idx="1">
+              <a:schemeClr val="accent1"/>
+            </a:lnRef>
+            <a:fillRef idx="3">
+              <a:schemeClr val="accent1"/>
+            </a:fillRef>
+            <a:effectRef idx="2">
+              <a:schemeClr val="accent1"/>
+            </a:effectRef>
+            <a:fontRef idx="minor">
+              <a:schemeClr val="lt1"/>
+            </a:fontRef>
+          </p:style>
+          <p:txBody>
+            <a:bodyPr rtlCol="0" anchor="ctr"/>
+            <a:lstStyle/>
+            <a:p>
+              <a:pPr algn="ctr"/>
+              <a:endParaRPr lang="en-US" dirty="0" smtClean="0"/>
+            </a:p>
+            <a:p>
+              <a:pPr algn="ctr"/>
+              <a:r>
+                <a:rPr lang="en-US" dirty="0"/>
+                <a:t/>
+              </a:r>
+              <a:endParaRPr lang="en-US" dirty="0"/>
+            </a:p>
+          </p:txBody>
+        </p:sp>
+        <p:pic>
+          <p:nvPicPr>
+            <p:cNvPr id="164" name="Picture 163" descr="Amino_acid_zwitterions.pdf"/>
+            <p:cNvPicPr>
+              <a:picLocks noChangeAspect="1"/>
+            </p:cNvPicPr>
+            <p:nvPr/>
+          </p:nvPicPr>
+          <p:blipFill>
+            <a:blip r:embed="rId12">
+              <a:extLst>
+                <a:ext uri="{28A0092B-C50C-407E-A947-70E740481C1C}">
+                  <a14:useLocalDpi xmlns:a14="http://schemas.microsoft.com/office/drawing/2010/main" val="0"/>
+                </a:ext>
+              </a:extLst>
+            </a:blip>
+            <a:stretch>
+              <a:fillRect/>
+            </a:stretch>
+          </p:blipFill>
+          <p:spPr>
+            <a:xfrm>
+              <a:off x="11242022" y="13979626"/>
+              <a:ext cx="671361" cy="447574"/>
+            </a:xfrm>
+            <a:prstGeom prst="rect">
+              <a:avLst/>
+            </a:prstGeom>
+          </p:spPr>
+        </p:pic>
+      </p:grpSp>
+      <p:grpSp>
+        <p:nvGrpSpPr>
+          <p:cNvPr id="165" name="Group 164"/>
+          <p:cNvGrpSpPr/>
           <p:nvPr/>
-        </p:nvSpPr>
-        <p:spPr>
+        </p:nvGrpSpPr>
+        <p:grpSpPr>
           <a:xfrm>
-            <a:off x="15610527" y="16981378"/>
-            <a:ext cx="259505" cy="385185"/>
+            <a:off x="9287601" y="9345195"/>
+            <a:ext cx="5943600" cy="584776"/>
+            <a:chOff x="19939000" y="16347717"/>
+            <a:chExt cx="5943600" cy="584776"/>
           </a:xfrm>
-          <a:prstGeom prst="ellipse">
-            <a:avLst/>
-          </a:prstGeom>
-          <a:solidFill>
-            <a:schemeClr val="accent3">
-              <a:lumMod val="40000"/>
-              <a:lumOff val="60000"/>
-            </a:schemeClr>
-          </a:solidFill>
-          <a:ln>
-            <a:noFill/>
-          </a:ln>
-        </p:spPr>
-        <p:style>
-          <a:lnRef idx="1">
-            <a:schemeClr val="accent1"/>
-          </a:lnRef>
-          <a:fillRef idx="3">
-            <a:schemeClr val="accent1"/>
-          </a:fillRef>
-          <a:effectRef idx="2">
-            <a:schemeClr val="accent1"/>
-          </a:effectRef>
-          <a:fontRef idx="minor">
-            <a:schemeClr val="lt1"/>
-          </a:fontRef>
-        </p:style>
-        <p:txBody>
-          <a:bodyPr rtlCol="0" anchor="ctr"/>
-          <a:lstStyle/>
-          <a:p>
-            <a:pPr algn="ctr"/>
-            <a:endParaRPr lang="en-US"/>
-          </a:p>
-        </p:txBody>
-      </p:sp>
-      <p:sp>
-        <p:nvSpPr>
-          <p:cNvPr id="34" name="Oval 33"/>
-          <p:cNvSpPr/>
+        </p:grpSpPr>
+        <p:sp>
+          <p:nvSpPr>
+            <p:cNvPr id="166" name="TextBox 165"/>
+            <p:cNvSpPr txBox="1"/>
+            <p:nvPr/>
+          </p:nvSpPr>
+          <p:spPr>
+            <a:xfrm>
+              <a:off x="19939000" y="16347717"/>
+              <a:ext cx="5943600" cy="584776"/>
+            </a:xfrm>
+            <a:prstGeom prst="rect">
+              <a:avLst/>
+            </a:prstGeom>
+            <a:solidFill>
+              <a:schemeClr val="bg1"/>
+            </a:solidFill>
+          </p:spPr>
+          <p:txBody>
+            <a:bodyPr wrap="square" rtlCol="0">
+              <a:spAutoFit/>
+            </a:bodyPr>
+            <a:lstStyle/>
+            <a:p>
+              <a:r>
+                <a:rPr lang="en-US" sz="3200" dirty="0" smtClean="0"/>
+                <a:t>Deliver key nutrients:</a:t>
+              </a:r>
+              <a:endParaRPr lang="en-US" sz="3200" dirty="0"/>
+            </a:p>
+          </p:txBody>
+        </p:sp>
+        <p:grpSp>
+          <p:nvGrpSpPr>
+            <p:cNvPr id="167" name="Group 166"/>
+            <p:cNvGrpSpPr/>
+            <p:nvPr/>
+          </p:nvGrpSpPr>
+          <p:grpSpPr>
+            <a:xfrm>
+              <a:off x="23715979" y="16437120"/>
+              <a:ext cx="1966432" cy="419081"/>
+              <a:chOff x="20358300" y="12531790"/>
+              <a:chExt cx="4135317" cy="881309"/>
+            </a:xfrm>
+          </p:grpSpPr>
+          <p:grpSp>
+            <p:nvGrpSpPr>
+              <p:cNvPr id="168" name="Group 167"/>
+              <p:cNvGrpSpPr/>
+              <p:nvPr/>
+            </p:nvGrpSpPr>
+            <p:grpSpPr>
+              <a:xfrm>
+                <a:off x="21991302" y="12531790"/>
+                <a:ext cx="816501" cy="861862"/>
+                <a:chOff x="13971228" y="10070170"/>
+                <a:chExt cx="816501" cy="861862"/>
+              </a:xfrm>
+            </p:grpSpPr>
+            <p:sp>
+              <p:nvSpPr>
+                <p:cNvPr id="181" name="Oval 180"/>
+                <p:cNvSpPr/>
+                <p:nvPr/>
+              </p:nvSpPr>
+              <p:spPr>
+                <a:xfrm>
+                  <a:off x="13971228" y="10070170"/>
+                  <a:ext cx="816501" cy="861862"/>
+                </a:xfrm>
+                <a:prstGeom prst="ellipse">
+                  <a:avLst/>
+                </a:prstGeom>
+                <a:solidFill>
+                  <a:srgbClr val="FFFF00"/>
+                </a:solidFill>
+                <a:ln>
+                  <a:noFill/>
+                </a:ln>
+              </p:spPr>
+              <p:style>
+                <a:lnRef idx="1">
+                  <a:schemeClr val="accent1"/>
+                </a:lnRef>
+                <a:fillRef idx="3">
+                  <a:schemeClr val="accent1"/>
+                </a:fillRef>
+                <a:effectRef idx="2">
+                  <a:schemeClr val="accent1"/>
+                </a:effectRef>
+                <a:fontRef idx="minor">
+                  <a:schemeClr val="lt1"/>
+                </a:fontRef>
+              </p:style>
+              <p:txBody>
+                <a:bodyPr rtlCol="0" anchor="ctr"/>
+                <a:lstStyle/>
+                <a:p>
+                  <a:pPr algn="ctr"/>
+                  <a:endParaRPr lang="en-US"/>
+                </a:p>
+              </p:txBody>
+            </p:sp>
+            <p:pic>
+              <p:nvPicPr>
+                <p:cNvPr id="182" name="Picture 181"/>
+                <p:cNvPicPr>
+                  <a:picLocks noChangeAspect="1"/>
+                </p:cNvPicPr>
+                <p:nvPr/>
+              </p:nvPicPr>
+              <p:blipFill>
+                <a:blip r:embed="rId4"/>
+                <a:stretch>
+                  <a:fillRect/>
+                </a:stretch>
+              </p:blipFill>
+              <p:spPr>
+                <a:xfrm>
+                  <a:off x="14025660" y="10190658"/>
+                  <a:ext cx="712840" cy="559255"/>
+                </a:xfrm>
+                <a:prstGeom prst="rect">
+                  <a:avLst/>
+                </a:prstGeom>
+              </p:spPr>
+            </p:pic>
+          </p:grpSp>
+          <p:grpSp>
+            <p:nvGrpSpPr>
+              <p:cNvPr id="169" name="Group 168"/>
+              <p:cNvGrpSpPr/>
+              <p:nvPr/>
+            </p:nvGrpSpPr>
+            <p:grpSpPr>
+              <a:xfrm>
+                <a:off x="22807803" y="12531790"/>
+                <a:ext cx="816501" cy="861862"/>
+                <a:chOff x="13971228" y="14766810"/>
+                <a:chExt cx="816501" cy="861862"/>
+              </a:xfrm>
+            </p:grpSpPr>
+            <p:sp>
+              <p:nvSpPr>
+                <p:cNvPr id="179" name="Oval 178"/>
+                <p:cNvSpPr/>
+                <p:nvPr/>
+              </p:nvSpPr>
+              <p:spPr>
+                <a:xfrm>
+                  <a:off x="13971228" y="14766810"/>
+                  <a:ext cx="816501" cy="861862"/>
+                </a:xfrm>
+                <a:prstGeom prst="ellipse">
+                  <a:avLst/>
+                </a:prstGeom>
+                <a:solidFill>
+                  <a:srgbClr val="FF0000"/>
+                </a:solidFill>
+                <a:ln>
+                  <a:noFill/>
+                </a:ln>
+              </p:spPr>
+              <p:style>
+                <a:lnRef idx="1">
+                  <a:schemeClr val="accent1"/>
+                </a:lnRef>
+                <a:fillRef idx="3">
+                  <a:schemeClr val="accent1"/>
+                </a:fillRef>
+                <a:effectRef idx="2">
+                  <a:schemeClr val="accent1"/>
+                </a:effectRef>
+                <a:fontRef idx="minor">
+                  <a:schemeClr val="lt1"/>
+                </a:fontRef>
+              </p:style>
+              <p:txBody>
+                <a:bodyPr rtlCol="0" anchor="ctr"/>
+                <a:lstStyle/>
+                <a:p>
+                  <a:pPr algn="ctr"/>
+                  <a:endParaRPr lang="en-US" dirty="0" smtClean="0"/>
+                </a:p>
+                <a:p>
+                  <a:pPr algn="ctr"/>
+                  <a:r>
+                    <a:rPr lang="en-US" dirty="0"/>
+                    <a:t/>
+                  </a:r>
+                  <a:endParaRPr lang="en-US" dirty="0"/>
+                </a:p>
+              </p:txBody>
+            </p:sp>
+            <p:pic>
+              <p:nvPicPr>
+                <p:cNvPr id="180" name="Picture 179" descr="Stearic_acid.pdf"/>
+                <p:cNvPicPr>
+                  <a:picLocks noChangeAspect="1"/>
+                </p:cNvPicPr>
+                <p:nvPr/>
+              </p:nvPicPr>
+              <p:blipFill rotWithShape="1">
+                <a:blip r:embed="rId6">
+                  <a:extLst>
+                    <a:ext uri="{28A0092B-C50C-407E-A947-70E740481C1C}">
+                      <a14:useLocalDpi xmlns:a14="http://schemas.microsoft.com/office/drawing/2010/main" val="0"/>
+                    </a:ext>
+                  </a:extLst>
+                </a:blip>
+                <a:srcRect l="63027"/>
+                <a:stretch/>
+              </p:blipFill>
+              <p:spPr>
+                <a:xfrm>
+                  <a:off x="14021706" y="15013522"/>
+                  <a:ext cx="716794" cy="271306"/>
+                </a:xfrm>
+                <a:prstGeom prst="rect">
+                  <a:avLst/>
+                </a:prstGeom>
+              </p:spPr>
+            </p:pic>
+          </p:grpSp>
+          <p:grpSp>
+            <p:nvGrpSpPr>
+              <p:cNvPr id="170" name="Group 169"/>
+              <p:cNvGrpSpPr/>
+              <p:nvPr/>
+            </p:nvGrpSpPr>
+            <p:grpSpPr>
+              <a:xfrm>
+                <a:off x="20358300" y="12531790"/>
+                <a:ext cx="816501" cy="861862"/>
+                <a:chOff x="10131848" y="12613983"/>
+                <a:chExt cx="816501" cy="861862"/>
+              </a:xfrm>
+            </p:grpSpPr>
+            <p:sp>
+              <p:nvSpPr>
+                <p:cNvPr id="177" name="Oval 176"/>
+                <p:cNvSpPr/>
+                <p:nvPr/>
+              </p:nvSpPr>
+              <p:spPr>
+                <a:xfrm>
+                  <a:off x="10131848" y="12613983"/>
+                  <a:ext cx="816501" cy="861862"/>
+                </a:xfrm>
+                <a:prstGeom prst="ellipse">
+                  <a:avLst/>
+                </a:prstGeom>
+                <a:solidFill>
+                  <a:srgbClr val="008000"/>
+                </a:solidFill>
+                <a:ln>
+                  <a:noFill/>
+                </a:ln>
+              </p:spPr>
+              <p:style>
+                <a:lnRef idx="1">
+                  <a:schemeClr val="accent1"/>
+                </a:lnRef>
+                <a:fillRef idx="3">
+                  <a:schemeClr val="accent1"/>
+                </a:fillRef>
+                <a:effectRef idx="2">
+                  <a:schemeClr val="accent1"/>
+                </a:effectRef>
+                <a:fontRef idx="minor">
+                  <a:schemeClr val="lt1"/>
+                </a:fontRef>
+              </p:style>
+              <p:txBody>
+                <a:bodyPr rtlCol="0" anchor="ctr"/>
+                <a:lstStyle/>
+                <a:p>
+                  <a:pPr algn="ctr"/>
+                  <a:endParaRPr lang="en-US"/>
+                </a:p>
+              </p:txBody>
+            </p:sp>
+            <p:pic>
+              <p:nvPicPr>
+                <p:cNvPr id="178" name="Picture 177" descr="Saccharose.pdf"/>
+                <p:cNvPicPr>
+                  <a:picLocks noChangeAspect="1"/>
+                </p:cNvPicPr>
+                <p:nvPr/>
+              </p:nvPicPr>
+              <p:blipFill>
+                <a:blip r:embed="rId7">
+                  <a:extLst>
+                    <a:ext uri="{28A0092B-C50C-407E-A947-70E740481C1C}">
+                      <a14:useLocalDpi xmlns:a14="http://schemas.microsoft.com/office/drawing/2010/main" val="0"/>
+                    </a:ext>
+                  </a:extLst>
+                </a:blip>
+                <a:stretch>
+                  <a:fillRect/>
+                </a:stretch>
+              </p:blipFill>
+              <p:spPr>
+                <a:xfrm>
+                  <a:off x="10141012" y="12851937"/>
+                  <a:ext cx="807337" cy="418294"/>
+                </a:xfrm>
+                <a:prstGeom prst="rect">
+                  <a:avLst/>
+                </a:prstGeom>
+              </p:spPr>
+            </p:pic>
+          </p:grpSp>
+          <p:grpSp>
+            <p:nvGrpSpPr>
+              <p:cNvPr id="171" name="Group 170"/>
+              <p:cNvGrpSpPr/>
+              <p:nvPr/>
+            </p:nvGrpSpPr>
+            <p:grpSpPr>
+              <a:xfrm>
+                <a:off x="23677116" y="12551237"/>
+                <a:ext cx="816501" cy="861862"/>
+                <a:chOff x="16861613" y="14883866"/>
+                <a:chExt cx="816501" cy="861862"/>
+              </a:xfrm>
+            </p:grpSpPr>
+            <p:sp>
+              <p:nvSpPr>
+                <p:cNvPr id="175" name="Oval 174"/>
+                <p:cNvSpPr/>
+                <p:nvPr/>
+              </p:nvSpPr>
+              <p:spPr>
+                <a:xfrm>
+                  <a:off x="16861613" y="14883866"/>
+                  <a:ext cx="816501" cy="861862"/>
+                </a:xfrm>
+                <a:prstGeom prst="ellipse">
+                  <a:avLst/>
+                </a:prstGeom>
+                <a:solidFill>
+                  <a:srgbClr val="FF6600"/>
+                </a:solidFill>
+                <a:ln>
+                  <a:noFill/>
+                </a:ln>
+              </p:spPr>
+              <p:style>
+                <a:lnRef idx="1">
+                  <a:schemeClr val="accent1"/>
+                </a:lnRef>
+                <a:fillRef idx="3">
+                  <a:schemeClr val="accent1"/>
+                </a:fillRef>
+                <a:effectRef idx="2">
+                  <a:schemeClr val="accent1"/>
+                </a:effectRef>
+                <a:fontRef idx="minor">
+                  <a:schemeClr val="lt1"/>
+                </a:fontRef>
+              </p:style>
+              <p:txBody>
+                <a:bodyPr rtlCol="0" anchor="ctr"/>
+                <a:lstStyle/>
+                <a:p>
+                  <a:pPr algn="ctr"/>
+                  <a:endParaRPr lang="en-US" dirty="0"/>
+                </a:p>
+              </p:txBody>
+            </p:sp>
+            <p:pic>
+              <p:nvPicPr>
+                <p:cNvPr id="176" name="Picture 175" descr="Alpha-D-Glucopyranose.pdf"/>
+                <p:cNvPicPr>
+                  <a:picLocks noChangeAspect="1"/>
+                </p:cNvPicPr>
+                <p:nvPr/>
+              </p:nvPicPr>
+              <p:blipFill>
+                <a:blip r:embed="rId11">
+                  <a:extLst>
+                    <a:ext uri="{28A0092B-C50C-407E-A947-70E740481C1C}">
+                      <a14:useLocalDpi xmlns:a14="http://schemas.microsoft.com/office/drawing/2010/main" val="0"/>
+                    </a:ext>
+                  </a:extLst>
+                </a:blip>
+                <a:stretch>
+                  <a:fillRect/>
+                </a:stretch>
+              </p:blipFill>
+              <p:spPr>
+                <a:xfrm>
+                  <a:off x="16959658" y="14970252"/>
+                  <a:ext cx="718456" cy="775476"/>
+                </a:xfrm>
+                <a:prstGeom prst="rect">
+                  <a:avLst/>
+                </a:prstGeom>
+              </p:spPr>
+            </p:pic>
+          </p:grpSp>
+          <p:grpSp>
+            <p:nvGrpSpPr>
+              <p:cNvPr id="172" name="Group 171"/>
+              <p:cNvGrpSpPr/>
+              <p:nvPr/>
+            </p:nvGrpSpPr>
+            <p:grpSpPr>
+              <a:xfrm>
+                <a:off x="21174801" y="12531790"/>
+                <a:ext cx="816501" cy="861862"/>
+                <a:chOff x="11167201" y="13791450"/>
+                <a:chExt cx="816501" cy="861862"/>
+              </a:xfrm>
+            </p:grpSpPr>
+            <p:sp>
+              <p:nvSpPr>
+                <p:cNvPr id="173" name="Oval 172"/>
+                <p:cNvSpPr/>
+                <p:nvPr/>
+              </p:nvSpPr>
+              <p:spPr>
+                <a:xfrm>
+                  <a:off x="11167201" y="13791450"/>
+                  <a:ext cx="816501" cy="861862"/>
+                </a:xfrm>
+                <a:prstGeom prst="ellipse">
+                  <a:avLst/>
+                </a:prstGeom>
+                <a:solidFill>
+                  <a:schemeClr val="accent6">
+                    <a:lumMod val="60000"/>
+                    <a:lumOff val="40000"/>
+                  </a:schemeClr>
+                </a:solidFill>
+                <a:ln>
+                  <a:noFill/>
+                </a:ln>
+              </p:spPr>
+              <p:style>
+                <a:lnRef idx="1">
+                  <a:schemeClr val="accent1"/>
+                </a:lnRef>
+                <a:fillRef idx="3">
+                  <a:schemeClr val="accent1"/>
+                </a:fillRef>
+                <a:effectRef idx="2">
+                  <a:schemeClr val="accent1"/>
+                </a:effectRef>
+                <a:fontRef idx="minor">
+                  <a:schemeClr val="lt1"/>
+                </a:fontRef>
+              </p:style>
+              <p:txBody>
+                <a:bodyPr rtlCol="0" anchor="ctr"/>
+                <a:lstStyle/>
+                <a:p>
+                  <a:pPr algn="ctr"/>
+                  <a:endParaRPr lang="en-US" dirty="0" smtClean="0"/>
+                </a:p>
+                <a:p>
+                  <a:pPr algn="ctr"/>
+                  <a:r>
+                    <a:rPr lang="en-US" dirty="0"/>
+                    <a:t/>
+                  </a:r>
+                  <a:endParaRPr lang="en-US" dirty="0"/>
+                </a:p>
+              </p:txBody>
+            </p:sp>
+            <p:pic>
+              <p:nvPicPr>
+                <p:cNvPr id="174" name="Picture 173" descr="Amino_acid_zwitterions.pdf"/>
+                <p:cNvPicPr>
+                  <a:picLocks noChangeAspect="1"/>
+                </p:cNvPicPr>
+                <p:nvPr/>
+              </p:nvPicPr>
+              <p:blipFill>
+                <a:blip r:embed="rId13">
+                  <a:extLst>
+                    <a:ext uri="{28A0092B-C50C-407E-A947-70E740481C1C}">
+                      <a14:useLocalDpi xmlns:a14="http://schemas.microsoft.com/office/drawing/2010/main" val="0"/>
+                    </a:ext>
+                  </a:extLst>
+                </a:blip>
+                <a:stretch>
+                  <a:fillRect/>
+                </a:stretch>
+              </p:blipFill>
+              <p:spPr>
+                <a:xfrm>
+                  <a:off x="11242022" y="13979626"/>
+                  <a:ext cx="671361" cy="447574"/>
+                </a:xfrm>
+                <a:prstGeom prst="rect">
+                  <a:avLst/>
+                </a:prstGeom>
+              </p:spPr>
+            </p:pic>
+          </p:grpSp>
+        </p:grpSp>
+      </p:grpSp>
+      <p:grpSp>
+        <p:nvGrpSpPr>
+          <p:cNvPr id="183" name="Group 182"/>
+          <p:cNvGrpSpPr/>
           <p:nvPr/>
-        </p:nvSpPr>
-        <p:spPr>
+        </p:nvGrpSpPr>
+        <p:grpSpPr>
           <a:xfrm>
-            <a:off x="15921692" y="16975013"/>
-            <a:ext cx="259505" cy="385185"/>
+            <a:off x="18325767" y="10124942"/>
+            <a:ext cx="816501" cy="4845310"/>
+            <a:chOff x="18325767" y="10124942"/>
+            <a:chExt cx="816501" cy="4845310"/>
           </a:xfrm>
-          <a:prstGeom prst="ellipse">
-            <a:avLst/>
-          </a:prstGeom>
-          <a:solidFill>
-            <a:schemeClr val="accent1">
-              <a:lumMod val="40000"/>
-              <a:lumOff val="60000"/>
-            </a:schemeClr>
-          </a:solidFill>
-          <a:ln>
-            <a:noFill/>
-          </a:ln>
-        </p:spPr>
-        <p:style>
-          <a:lnRef idx="1">
-            <a:schemeClr val="accent1"/>
-          </a:lnRef>
-          <a:fillRef idx="3">
-            <a:schemeClr val="accent1"/>
-          </a:fillRef>
-          <a:effectRef idx="2">
-            <a:schemeClr val="accent1"/>
-          </a:effectRef>
-          <a:fontRef idx="minor">
-            <a:schemeClr val="lt1"/>
-          </a:fontRef>
-        </p:style>
-        <p:txBody>
-          <a:bodyPr rtlCol="0" anchor="ctr"/>
-          <a:lstStyle/>
-          <a:p>
-            <a:pPr algn="ctr"/>
-            <a:endParaRPr lang="en-US"/>
-          </a:p>
-        </p:txBody>
-      </p:sp>
-      <p:sp>
-        <p:nvSpPr>
-          <p:cNvPr id="35" name="Oval 34"/>
-          <p:cNvSpPr/>
+        </p:grpSpPr>
+        <p:grpSp>
+          <p:nvGrpSpPr>
+            <p:cNvPr id="184" name="Group 183"/>
+            <p:cNvGrpSpPr/>
+            <p:nvPr/>
+          </p:nvGrpSpPr>
+          <p:grpSpPr>
+            <a:xfrm>
+              <a:off x="18325767" y="12066635"/>
+              <a:ext cx="816501" cy="861862"/>
+              <a:chOff x="13971228" y="10070170"/>
+              <a:chExt cx="816501" cy="861862"/>
+            </a:xfrm>
+          </p:grpSpPr>
+          <p:sp>
+            <p:nvSpPr>
+              <p:cNvPr id="197" name="Oval 196"/>
+              <p:cNvSpPr/>
+              <p:nvPr/>
+            </p:nvSpPr>
+            <p:spPr>
+              <a:xfrm>
+                <a:off x="13971228" y="10070170"/>
+                <a:ext cx="816501" cy="861862"/>
+              </a:xfrm>
+              <a:prstGeom prst="ellipse">
+                <a:avLst/>
+              </a:prstGeom>
+              <a:solidFill>
+                <a:srgbClr val="FFFF00"/>
+              </a:solidFill>
+              <a:ln>
+                <a:noFill/>
+              </a:ln>
+            </p:spPr>
+            <p:style>
+              <a:lnRef idx="1">
+                <a:schemeClr val="accent1"/>
+              </a:lnRef>
+              <a:fillRef idx="3">
+                <a:schemeClr val="accent1"/>
+              </a:fillRef>
+              <a:effectRef idx="2">
+                <a:schemeClr val="accent1"/>
+              </a:effectRef>
+              <a:fontRef idx="minor">
+                <a:schemeClr val="lt1"/>
+              </a:fontRef>
+            </p:style>
+            <p:txBody>
+              <a:bodyPr rtlCol="0" anchor="ctr"/>
+              <a:lstStyle/>
+              <a:p>
+                <a:pPr algn="ctr"/>
+                <a:endParaRPr lang="en-US"/>
+              </a:p>
+            </p:txBody>
+          </p:sp>
+          <p:pic>
+            <p:nvPicPr>
+              <p:cNvPr id="198" name="Picture 197"/>
+              <p:cNvPicPr>
+                <a:picLocks noChangeAspect="1"/>
+              </p:cNvPicPr>
+              <p:nvPr/>
+            </p:nvPicPr>
+            <p:blipFill>
+              <a:blip r:embed="rId4"/>
+              <a:stretch>
+                <a:fillRect/>
+              </a:stretch>
+            </p:blipFill>
+            <p:spPr>
+              <a:xfrm>
+                <a:off x="14025660" y="10190658"/>
+                <a:ext cx="712840" cy="559255"/>
+              </a:xfrm>
+              <a:prstGeom prst="rect">
+                <a:avLst/>
+              </a:prstGeom>
+            </p:spPr>
+          </p:pic>
+        </p:grpSp>
+        <p:grpSp>
+          <p:nvGrpSpPr>
+            <p:cNvPr id="185" name="Group 184"/>
+            <p:cNvGrpSpPr/>
+            <p:nvPr/>
+          </p:nvGrpSpPr>
+          <p:grpSpPr>
+            <a:xfrm>
+              <a:off x="18325767" y="13070314"/>
+              <a:ext cx="816501" cy="861862"/>
+              <a:chOff x="13971228" y="14766810"/>
+              <a:chExt cx="816501" cy="861862"/>
+            </a:xfrm>
+          </p:grpSpPr>
+          <p:sp>
+            <p:nvSpPr>
+              <p:cNvPr id="195" name="Oval 194"/>
+              <p:cNvSpPr/>
+              <p:nvPr/>
+            </p:nvSpPr>
+            <p:spPr>
+              <a:xfrm>
+                <a:off x="13971228" y="14766810"/>
+                <a:ext cx="816501" cy="861862"/>
+              </a:xfrm>
+              <a:prstGeom prst="ellipse">
+                <a:avLst/>
+              </a:prstGeom>
+              <a:solidFill>
+                <a:srgbClr val="FF0000"/>
+              </a:solidFill>
+              <a:ln>
+                <a:noFill/>
+              </a:ln>
+            </p:spPr>
+            <p:style>
+              <a:lnRef idx="1">
+                <a:schemeClr val="accent1"/>
+              </a:lnRef>
+              <a:fillRef idx="3">
+                <a:schemeClr val="accent1"/>
+              </a:fillRef>
+              <a:effectRef idx="2">
+                <a:schemeClr val="accent1"/>
+              </a:effectRef>
+              <a:fontRef idx="minor">
+                <a:schemeClr val="lt1"/>
+              </a:fontRef>
+            </p:style>
+            <p:txBody>
+              <a:bodyPr rtlCol="0" anchor="ctr"/>
+              <a:lstStyle/>
+              <a:p>
+                <a:pPr algn="ctr"/>
+                <a:endParaRPr lang="en-US" dirty="0" smtClean="0"/>
+              </a:p>
+              <a:p>
+                <a:pPr algn="ctr"/>
+                <a:r>
+                  <a:rPr lang="en-US" dirty="0"/>
+                  <a:t/>
+                </a:r>
+                <a:endParaRPr lang="en-US" dirty="0"/>
+              </a:p>
+            </p:txBody>
+          </p:sp>
+          <p:pic>
+            <p:nvPicPr>
+              <p:cNvPr id="196" name="Picture 195" descr="Stearic_acid.pdf"/>
+              <p:cNvPicPr>
+                <a:picLocks noChangeAspect="1"/>
+              </p:cNvPicPr>
+              <p:nvPr/>
+            </p:nvPicPr>
+            <p:blipFill rotWithShape="1">
+              <a:blip r:embed="rId6">
+                <a:extLst>
+                  <a:ext uri="{28A0092B-C50C-407E-A947-70E740481C1C}">
+                    <a14:useLocalDpi xmlns:a14="http://schemas.microsoft.com/office/drawing/2010/main" val="0"/>
+                  </a:ext>
+                </a:extLst>
+              </a:blip>
+              <a:srcRect l="63027"/>
+              <a:stretch/>
+            </p:blipFill>
+            <p:spPr>
+              <a:xfrm>
+                <a:off x="14021706" y="15013522"/>
+                <a:ext cx="716794" cy="271306"/>
+              </a:xfrm>
+              <a:prstGeom prst="rect">
+                <a:avLst/>
+              </a:prstGeom>
+            </p:spPr>
+          </p:pic>
+        </p:grpSp>
+        <p:grpSp>
+          <p:nvGrpSpPr>
+            <p:cNvPr id="186" name="Group 185"/>
+            <p:cNvGrpSpPr/>
+            <p:nvPr/>
+          </p:nvGrpSpPr>
+          <p:grpSpPr>
+            <a:xfrm>
+              <a:off x="18325767" y="10124942"/>
+              <a:ext cx="816501" cy="861862"/>
+              <a:chOff x="10131848" y="12613983"/>
+              <a:chExt cx="816501" cy="861862"/>
+            </a:xfrm>
+          </p:grpSpPr>
+          <p:sp>
+            <p:nvSpPr>
+              <p:cNvPr id="193" name="Oval 192"/>
+              <p:cNvSpPr/>
+              <p:nvPr/>
+            </p:nvSpPr>
+            <p:spPr>
+              <a:xfrm>
+                <a:off x="10131848" y="12613983"/>
+                <a:ext cx="816501" cy="861862"/>
+              </a:xfrm>
+              <a:prstGeom prst="ellipse">
+                <a:avLst/>
+              </a:prstGeom>
+              <a:solidFill>
+                <a:srgbClr val="008000"/>
+              </a:solidFill>
+              <a:ln>
+                <a:noFill/>
+              </a:ln>
+            </p:spPr>
+            <p:style>
+              <a:lnRef idx="1">
+                <a:schemeClr val="accent1"/>
+              </a:lnRef>
+              <a:fillRef idx="3">
+                <a:schemeClr val="accent1"/>
+              </a:fillRef>
+              <a:effectRef idx="2">
+                <a:schemeClr val="accent1"/>
+              </a:effectRef>
+              <a:fontRef idx="minor">
+                <a:schemeClr val="lt1"/>
+              </a:fontRef>
+            </p:style>
+            <p:txBody>
+              <a:bodyPr rtlCol="0" anchor="ctr"/>
+              <a:lstStyle/>
+              <a:p>
+                <a:pPr algn="ctr"/>
+                <a:endParaRPr lang="en-US"/>
+              </a:p>
+            </p:txBody>
+          </p:sp>
+          <p:pic>
+            <p:nvPicPr>
+              <p:cNvPr id="194" name="Picture 193" descr="Saccharose.pdf"/>
+              <p:cNvPicPr>
+                <a:picLocks noChangeAspect="1"/>
+              </p:cNvPicPr>
+              <p:nvPr/>
+            </p:nvPicPr>
+            <p:blipFill>
+              <a:blip r:embed="rId7">
+                <a:extLst>
+                  <a:ext uri="{28A0092B-C50C-407E-A947-70E740481C1C}">
+                    <a14:useLocalDpi xmlns:a14="http://schemas.microsoft.com/office/drawing/2010/main" val="0"/>
+                  </a:ext>
+                </a:extLst>
+              </a:blip>
+              <a:stretch>
+                <a:fillRect/>
+              </a:stretch>
+            </p:blipFill>
+            <p:spPr>
+              <a:xfrm>
+                <a:off x="10141012" y="12851937"/>
+                <a:ext cx="807337" cy="418294"/>
+              </a:xfrm>
+              <a:prstGeom prst="rect">
+                <a:avLst/>
+              </a:prstGeom>
+            </p:spPr>
+          </p:pic>
+        </p:grpSp>
+        <p:grpSp>
+          <p:nvGrpSpPr>
+            <p:cNvPr id="187" name="Group 186"/>
+            <p:cNvGrpSpPr/>
+            <p:nvPr/>
+          </p:nvGrpSpPr>
+          <p:grpSpPr>
+            <a:xfrm>
+              <a:off x="18325767" y="14108390"/>
+              <a:ext cx="816501" cy="861862"/>
+              <a:chOff x="16861613" y="14883866"/>
+              <a:chExt cx="816501" cy="861862"/>
+            </a:xfrm>
+          </p:grpSpPr>
+          <p:sp>
+            <p:nvSpPr>
+              <p:cNvPr id="191" name="Oval 190"/>
+              <p:cNvSpPr/>
+              <p:nvPr/>
+            </p:nvSpPr>
+            <p:spPr>
+              <a:xfrm>
+                <a:off x="16861613" y="14883866"/>
+                <a:ext cx="816501" cy="861862"/>
+              </a:xfrm>
+              <a:prstGeom prst="ellipse">
+                <a:avLst/>
+              </a:prstGeom>
+              <a:solidFill>
+                <a:srgbClr val="FF6600"/>
+              </a:solidFill>
+              <a:ln>
+                <a:noFill/>
+              </a:ln>
+            </p:spPr>
+            <p:style>
+              <a:lnRef idx="1">
+                <a:schemeClr val="accent1"/>
+              </a:lnRef>
+              <a:fillRef idx="3">
+                <a:schemeClr val="accent1"/>
+              </a:fillRef>
+              <a:effectRef idx="2">
+                <a:schemeClr val="accent1"/>
+              </a:effectRef>
+              <a:fontRef idx="minor">
+                <a:schemeClr val="lt1"/>
+              </a:fontRef>
+            </p:style>
+            <p:txBody>
+              <a:bodyPr rtlCol="0" anchor="ctr"/>
+              <a:lstStyle/>
+              <a:p>
+                <a:pPr algn="ctr"/>
+                <a:endParaRPr lang="en-US" dirty="0"/>
+              </a:p>
+            </p:txBody>
+          </p:sp>
+          <p:pic>
+            <p:nvPicPr>
+              <p:cNvPr id="192" name="Picture 191" descr="Alpha-D-Glucopyranose.pdf"/>
+              <p:cNvPicPr>
+                <a:picLocks noChangeAspect="1"/>
+              </p:cNvPicPr>
+              <p:nvPr/>
+            </p:nvPicPr>
+            <p:blipFill>
+              <a:blip r:embed="rId11">
+                <a:extLst>
+                  <a:ext uri="{28A0092B-C50C-407E-A947-70E740481C1C}">
+                    <a14:useLocalDpi xmlns:a14="http://schemas.microsoft.com/office/drawing/2010/main" val="0"/>
+                  </a:ext>
+                </a:extLst>
+              </a:blip>
+              <a:stretch>
+                <a:fillRect/>
+              </a:stretch>
+            </p:blipFill>
+            <p:spPr>
+              <a:xfrm>
+                <a:off x="16959658" y="14970252"/>
+                <a:ext cx="718456" cy="775476"/>
+              </a:xfrm>
+              <a:prstGeom prst="rect">
+                <a:avLst/>
+              </a:prstGeom>
+            </p:spPr>
+          </p:pic>
+        </p:grpSp>
+        <p:grpSp>
+          <p:nvGrpSpPr>
+            <p:cNvPr id="188" name="Group 187"/>
+            <p:cNvGrpSpPr/>
+            <p:nvPr/>
+          </p:nvGrpSpPr>
+          <p:grpSpPr>
+            <a:xfrm>
+              <a:off x="18325767" y="11128213"/>
+              <a:ext cx="816501" cy="861862"/>
+              <a:chOff x="11167201" y="13791450"/>
+              <a:chExt cx="816501" cy="861862"/>
+            </a:xfrm>
+          </p:grpSpPr>
+          <p:sp>
+            <p:nvSpPr>
+              <p:cNvPr id="189" name="Oval 188"/>
+              <p:cNvSpPr/>
+              <p:nvPr/>
+            </p:nvSpPr>
+            <p:spPr>
+              <a:xfrm>
+                <a:off x="11167201" y="13791450"/>
+                <a:ext cx="816501" cy="861862"/>
+              </a:xfrm>
+              <a:prstGeom prst="ellipse">
+                <a:avLst/>
+              </a:prstGeom>
+              <a:solidFill>
+                <a:schemeClr val="accent6">
+                  <a:lumMod val="60000"/>
+                  <a:lumOff val="40000"/>
+                </a:schemeClr>
+              </a:solidFill>
+              <a:ln>
+                <a:noFill/>
+              </a:ln>
+            </p:spPr>
+            <p:style>
+              <a:lnRef idx="1">
+                <a:schemeClr val="accent1"/>
+              </a:lnRef>
+              <a:fillRef idx="3">
+                <a:schemeClr val="accent1"/>
+              </a:fillRef>
+              <a:effectRef idx="2">
+                <a:schemeClr val="accent1"/>
+              </a:effectRef>
+              <a:fontRef idx="minor">
+                <a:schemeClr val="lt1"/>
+              </a:fontRef>
+            </p:style>
+            <p:txBody>
+              <a:bodyPr rtlCol="0" anchor="ctr"/>
+              <a:lstStyle/>
+              <a:p>
+                <a:pPr algn="ctr"/>
+                <a:endParaRPr lang="en-US" dirty="0" smtClean="0"/>
+              </a:p>
+              <a:p>
+                <a:pPr algn="ctr"/>
+                <a:r>
+                  <a:rPr lang="en-US" dirty="0"/>
+                  <a:t/>
+                </a:r>
+                <a:endParaRPr lang="en-US" dirty="0"/>
+              </a:p>
+            </p:txBody>
+          </p:sp>
+          <p:pic>
+            <p:nvPicPr>
+              <p:cNvPr id="190" name="Picture 189" descr="Amino_acid_zwitterions.pdf"/>
+              <p:cNvPicPr>
+                <a:picLocks noChangeAspect="1"/>
+              </p:cNvPicPr>
+              <p:nvPr/>
+            </p:nvPicPr>
+            <p:blipFill>
+              <a:blip r:embed="rId13">
+                <a:extLst>
+                  <a:ext uri="{28A0092B-C50C-407E-A947-70E740481C1C}">
+                    <a14:useLocalDpi xmlns:a14="http://schemas.microsoft.com/office/drawing/2010/main" val="0"/>
+                  </a:ext>
+                </a:extLst>
+              </a:blip>
+              <a:stretch>
+                <a:fillRect/>
+              </a:stretch>
+            </p:blipFill>
+            <p:spPr>
+              <a:xfrm>
+                <a:off x="11242022" y="13979626"/>
+                <a:ext cx="671361" cy="447574"/>
+              </a:xfrm>
+              <a:prstGeom prst="rect">
+                <a:avLst/>
+              </a:prstGeom>
+            </p:spPr>
+          </p:pic>
+        </p:grpSp>
+      </p:grpSp>
+      <p:grpSp>
+        <p:nvGrpSpPr>
+          <p:cNvPr id="199" name="Group 198"/>
+          <p:cNvGrpSpPr/>
           <p:nvPr/>
-        </p:nvSpPr>
-        <p:spPr>
+        </p:nvGrpSpPr>
+        <p:grpSpPr>
           <a:xfrm>
-            <a:off x="16232857" y="16968648"/>
-            <a:ext cx="259505" cy="385185"/>
+            <a:off x="18392224" y="5421116"/>
+            <a:ext cx="641073" cy="3804279"/>
+            <a:chOff x="18430876" y="4633401"/>
+            <a:chExt cx="816501" cy="4845310"/>
           </a:xfrm>
-          <a:prstGeom prst="ellipse">
-            <a:avLst/>
-          </a:prstGeom>
-          <a:solidFill>
-            <a:schemeClr val="accent6">
-              <a:lumMod val="60000"/>
-              <a:lumOff val="40000"/>
-            </a:schemeClr>
-          </a:solidFill>
-          <a:ln>
-            <a:noFill/>
-          </a:ln>
-        </p:spPr>
-        <p:style>
-          <a:lnRef idx="1">
-            <a:schemeClr val="accent1"/>
-          </a:lnRef>
-          <a:fillRef idx="3">
-            <a:schemeClr val="accent1"/>
-          </a:fillRef>
-          <a:effectRef idx="2">
-            <a:schemeClr val="accent1"/>
-          </a:effectRef>
-          <a:fontRef idx="minor">
-            <a:schemeClr val="lt1"/>
-          </a:fontRef>
-        </p:style>
-        <p:txBody>
-          <a:bodyPr rtlCol="0" anchor="ctr"/>
-          <a:lstStyle/>
-          <a:p>
-            <a:pPr algn="ctr"/>
-            <a:endParaRPr lang="en-US"/>
-          </a:p>
-        </p:txBody>
-      </p:sp>
-      <p:sp>
-        <p:nvSpPr>
-          <p:cNvPr id="36" name="TextBox 35"/>
-          <p:cNvSpPr txBox="1"/>
+        </p:grpSpPr>
+        <p:grpSp>
+          <p:nvGrpSpPr>
+            <p:cNvPr id="200" name="Group 199"/>
+            <p:cNvGrpSpPr/>
+            <p:nvPr/>
+          </p:nvGrpSpPr>
+          <p:grpSpPr>
+            <a:xfrm>
+              <a:off x="18430876" y="6575094"/>
+              <a:ext cx="816501" cy="861862"/>
+              <a:chOff x="13971228" y="10070170"/>
+              <a:chExt cx="816501" cy="861862"/>
+            </a:xfrm>
+          </p:grpSpPr>
+          <p:sp>
+            <p:nvSpPr>
+              <p:cNvPr id="213" name="Oval 212"/>
+              <p:cNvSpPr/>
+              <p:nvPr/>
+            </p:nvSpPr>
+            <p:spPr>
+              <a:xfrm>
+                <a:off x="13971228" y="10070170"/>
+                <a:ext cx="816501" cy="861862"/>
+              </a:xfrm>
+              <a:prstGeom prst="ellipse">
+                <a:avLst/>
+              </a:prstGeom>
+              <a:solidFill>
+                <a:srgbClr val="FFFF00"/>
+              </a:solidFill>
+              <a:ln>
+                <a:noFill/>
+              </a:ln>
+            </p:spPr>
+            <p:style>
+              <a:lnRef idx="1">
+                <a:schemeClr val="accent1"/>
+              </a:lnRef>
+              <a:fillRef idx="3">
+                <a:schemeClr val="accent1"/>
+              </a:fillRef>
+              <a:effectRef idx="2">
+                <a:schemeClr val="accent1"/>
+              </a:effectRef>
+              <a:fontRef idx="minor">
+                <a:schemeClr val="lt1"/>
+              </a:fontRef>
+            </p:style>
+            <p:txBody>
+              <a:bodyPr rtlCol="0" anchor="ctr"/>
+              <a:lstStyle/>
+              <a:p>
+                <a:pPr algn="ctr"/>
+                <a:endParaRPr lang="en-US"/>
+              </a:p>
+            </p:txBody>
+          </p:sp>
+          <p:pic>
+            <p:nvPicPr>
+              <p:cNvPr id="214" name="Picture 213"/>
+              <p:cNvPicPr>
+                <a:picLocks noChangeAspect="1"/>
+              </p:cNvPicPr>
+              <p:nvPr/>
+            </p:nvPicPr>
+            <p:blipFill>
+              <a:blip r:embed="rId4"/>
+              <a:stretch>
+                <a:fillRect/>
+              </a:stretch>
+            </p:blipFill>
+            <p:spPr>
+              <a:xfrm>
+                <a:off x="14025660" y="10190658"/>
+                <a:ext cx="712840" cy="559255"/>
+              </a:xfrm>
+              <a:prstGeom prst="rect">
+                <a:avLst/>
+              </a:prstGeom>
+            </p:spPr>
+          </p:pic>
+        </p:grpSp>
+        <p:grpSp>
+          <p:nvGrpSpPr>
+            <p:cNvPr id="201" name="Group 200"/>
+            <p:cNvGrpSpPr/>
+            <p:nvPr/>
+          </p:nvGrpSpPr>
+          <p:grpSpPr>
+            <a:xfrm>
+              <a:off x="18430876" y="7578773"/>
+              <a:ext cx="816501" cy="861862"/>
+              <a:chOff x="13971228" y="14766810"/>
+              <a:chExt cx="816501" cy="861862"/>
+            </a:xfrm>
+          </p:grpSpPr>
+          <p:sp>
+            <p:nvSpPr>
+              <p:cNvPr id="211" name="Oval 210"/>
+              <p:cNvSpPr/>
+              <p:nvPr/>
+            </p:nvSpPr>
+            <p:spPr>
+              <a:xfrm>
+                <a:off x="13971228" y="14766810"/>
+                <a:ext cx="816501" cy="861862"/>
+              </a:xfrm>
+              <a:prstGeom prst="ellipse">
+                <a:avLst/>
+              </a:prstGeom>
+              <a:solidFill>
+                <a:srgbClr val="FF0000"/>
+              </a:solidFill>
+              <a:ln>
+                <a:noFill/>
+              </a:ln>
+            </p:spPr>
+            <p:style>
+              <a:lnRef idx="1">
+                <a:schemeClr val="accent1"/>
+              </a:lnRef>
+              <a:fillRef idx="3">
+                <a:schemeClr val="accent1"/>
+              </a:fillRef>
+              <a:effectRef idx="2">
+                <a:schemeClr val="accent1"/>
+              </a:effectRef>
+              <a:fontRef idx="minor">
+                <a:schemeClr val="lt1"/>
+              </a:fontRef>
+            </p:style>
+            <p:txBody>
+              <a:bodyPr rtlCol="0" anchor="ctr"/>
+              <a:lstStyle/>
+              <a:p>
+                <a:pPr algn="ctr"/>
+                <a:endParaRPr lang="en-US" dirty="0" smtClean="0"/>
+              </a:p>
+              <a:p>
+                <a:pPr algn="ctr"/>
+                <a:r>
+                  <a:rPr lang="en-US" dirty="0"/>
+                  <a:t/>
+                </a:r>
+                <a:endParaRPr lang="en-US" dirty="0"/>
+              </a:p>
+            </p:txBody>
+          </p:sp>
+          <p:pic>
+            <p:nvPicPr>
+              <p:cNvPr id="212" name="Picture 211" descr="Stearic_acid.pdf"/>
+              <p:cNvPicPr>
+                <a:picLocks noChangeAspect="1"/>
+              </p:cNvPicPr>
+              <p:nvPr/>
+            </p:nvPicPr>
+            <p:blipFill rotWithShape="1">
+              <a:blip r:embed="rId6">
+                <a:extLst>
+                  <a:ext uri="{28A0092B-C50C-407E-A947-70E740481C1C}">
+                    <a14:useLocalDpi xmlns:a14="http://schemas.microsoft.com/office/drawing/2010/main" val="0"/>
+                  </a:ext>
+                </a:extLst>
+              </a:blip>
+              <a:srcRect l="63027"/>
+              <a:stretch/>
+            </p:blipFill>
+            <p:spPr>
+              <a:xfrm>
+                <a:off x="14021706" y="15013522"/>
+                <a:ext cx="716794" cy="271306"/>
+              </a:xfrm>
+              <a:prstGeom prst="rect">
+                <a:avLst/>
+              </a:prstGeom>
+            </p:spPr>
+          </p:pic>
+        </p:grpSp>
+        <p:grpSp>
+          <p:nvGrpSpPr>
+            <p:cNvPr id="202" name="Group 201"/>
+            <p:cNvGrpSpPr/>
+            <p:nvPr/>
+          </p:nvGrpSpPr>
+          <p:grpSpPr>
+            <a:xfrm>
+              <a:off x="18430876" y="4633401"/>
+              <a:ext cx="816501" cy="861862"/>
+              <a:chOff x="10131848" y="12613983"/>
+              <a:chExt cx="816501" cy="861862"/>
+            </a:xfrm>
+          </p:grpSpPr>
+          <p:sp>
+            <p:nvSpPr>
+              <p:cNvPr id="209" name="Oval 208"/>
+              <p:cNvSpPr/>
+              <p:nvPr/>
+            </p:nvSpPr>
+            <p:spPr>
+              <a:xfrm>
+                <a:off x="10131848" y="12613983"/>
+                <a:ext cx="816501" cy="861862"/>
+              </a:xfrm>
+              <a:prstGeom prst="ellipse">
+                <a:avLst/>
+              </a:prstGeom>
+              <a:solidFill>
+                <a:srgbClr val="008000"/>
+              </a:solidFill>
+              <a:ln>
+                <a:noFill/>
+              </a:ln>
+            </p:spPr>
+            <p:style>
+              <a:lnRef idx="1">
+                <a:schemeClr val="accent1"/>
+              </a:lnRef>
+              <a:fillRef idx="3">
+                <a:schemeClr val="accent1"/>
+              </a:fillRef>
+              <a:effectRef idx="2">
+                <a:schemeClr val="accent1"/>
+              </a:effectRef>
+              <a:fontRef idx="minor">
+                <a:schemeClr val="lt1"/>
+              </a:fontRef>
+            </p:style>
+            <p:txBody>
+              <a:bodyPr rtlCol="0" anchor="ctr"/>
+              <a:lstStyle/>
+              <a:p>
+                <a:pPr algn="ctr"/>
+                <a:endParaRPr lang="en-US"/>
+              </a:p>
+            </p:txBody>
+          </p:sp>
+          <p:pic>
+            <p:nvPicPr>
+              <p:cNvPr id="210" name="Picture 209" descr="Saccharose.pdf"/>
+              <p:cNvPicPr>
+                <a:picLocks noChangeAspect="1"/>
+              </p:cNvPicPr>
+              <p:nvPr/>
+            </p:nvPicPr>
+            <p:blipFill>
+              <a:blip r:embed="rId7">
+                <a:extLst>
+                  <a:ext uri="{28A0092B-C50C-407E-A947-70E740481C1C}">
+                    <a14:useLocalDpi xmlns:a14="http://schemas.microsoft.com/office/drawing/2010/main" val="0"/>
+                  </a:ext>
+                </a:extLst>
+              </a:blip>
+              <a:stretch>
+                <a:fillRect/>
+              </a:stretch>
+            </p:blipFill>
+            <p:spPr>
+              <a:xfrm>
+                <a:off x="10141012" y="12851937"/>
+                <a:ext cx="807337" cy="418294"/>
+              </a:xfrm>
+              <a:prstGeom prst="rect">
+                <a:avLst/>
+              </a:prstGeom>
+            </p:spPr>
+          </p:pic>
+        </p:grpSp>
+        <p:grpSp>
+          <p:nvGrpSpPr>
+            <p:cNvPr id="203" name="Group 202"/>
+            <p:cNvGrpSpPr/>
+            <p:nvPr/>
+          </p:nvGrpSpPr>
+          <p:grpSpPr>
+            <a:xfrm>
+              <a:off x="18430876" y="8616849"/>
+              <a:ext cx="816501" cy="861862"/>
+              <a:chOff x="16861613" y="14883866"/>
+              <a:chExt cx="816501" cy="861862"/>
+            </a:xfrm>
+          </p:grpSpPr>
+          <p:sp>
+            <p:nvSpPr>
+              <p:cNvPr id="207" name="Oval 206"/>
+              <p:cNvSpPr/>
+              <p:nvPr/>
+            </p:nvSpPr>
+            <p:spPr>
+              <a:xfrm>
+                <a:off x="16861613" y="14883866"/>
+                <a:ext cx="816501" cy="861862"/>
+              </a:xfrm>
+              <a:prstGeom prst="ellipse">
+                <a:avLst/>
+              </a:prstGeom>
+              <a:solidFill>
+                <a:srgbClr val="FF6600"/>
+              </a:solidFill>
+              <a:ln>
+                <a:noFill/>
+              </a:ln>
+            </p:spPr>
+            <p:style>
+              <a:lnRef idx="1">
+                <a:schemeClr val="accent1"/>
+              </a:lnRef>
+              <a:fillRef idx="3">
+                <a:schemeClr val="accent1"/>
+              </a:fillRef>
+              <a:effectRef idx="2">
+                <a:schemeClr val="accent1"/>
+              </a:effectRef>
+              <a:fontRef idx="minor">
+                <a:schemeClr val="lt1"/>
+              </a:fontRef>
+            </p:style>
+            <p:txBody>
+              <a:bodyPr rtlCol="0" anchor="ctr"/>
+              <a:lstStyle/>
+              <a:p>
+                <a:pPr algn="ctr"/>
+                <a:endParaRPr lang="en-US" dirty="0"/>
+              </a:p>
+            </p:txBody>
+          </p:sp>
+          <p:pic>
+            <p:nvPicPr>
+              <p:cNvPr id="208" name="Picture 207" descr="Alpha-D-Glucopyranose.pdf"/>
+              <p:cNvPicPr>
+                <a:picLocks noChangeAspect="1"/>
+              </p:cNvPicPr>
+              <p:nvPr/>
+            </p:nvPicPr>
+            <p:blipFill>
+              <a:blip r:embed="rId11">
+                <a:extLst>
+                  <a:ext uri="{28A0092B-C50C-407E-A947-70E740481C1C}">
+                    <a14:useLocalDpi xmlns:a14="http://schemas.microsoft.com/office/drawing/2010/main" val="0"/>
+                  </a:ext>
+                </a:extLst>
+              </a:blip>
+              <a:stretch>
+                <a:fillRect/>
+              </a:stretch>
+            </p:blipFill>
+            <p:spPr>
+              <a:xfrm>
+                <a:off x="16959658" y="14970252"/>
+                <a:ext cx="718456" cy="775476"/>
+              </a:xfrm>
+              <a:prstGeom prst="rect">
+                <a:avLst/>
+              </a:prstGeom>
+            </p:spPr>
+          </p:pic>
+        </p:grpSp>
+        <p:grpSp>
+          <p:nvGrpSpPr>
+            <p:cNvPr id="204" name="Group 203"/>
+            <p:cNvGrpSpPr/>
+            <p:nvPr/>
+          </p:nvGrpSpPr>
+          <p:grpSpPr>
+            <a:xfrm>
+              <a:off x="18430876" y="5636672"/>
+              <a:ext cx="816501" cy="861862"/>
+              <a:chOff x="11167201" y="13791450"/>
+              <a:chExt cx="816501" cy="861862"/>
+            </a:xfrm>
+          </p:grpSpPr>
+          <p:sp>
+            <p:nvSpPr>
+              <p:cNvPr id="205" name="Oval 204"/>
+              <p:cNvSpPr/>
+              <p:nvPr/>
+            </p:nvSpPr>
+            <p:spPr>
+              <a:xfrm>
+                <a:off x="11167201" y="13791450"/>
+                <a:ext cx="816501" cy="861862"/>
+              </a:xfrm>
+              <a:prstGeom prst="ellipse">
+                <a:avLst/>
+              </a:prstGeom>
+              <a:solidFill>
+                <a:schemeClr val="accent6">
+                  <a:lumMod val="60000"/>
+                  <a:lumOff val="40000"/>
+                </a:schemeClr>
+              </a:solidFill>
+              <a:ln>
+                <a:noFill/>
+              </a:ln>
+            </p:spPr>
+            <p:style>
+              <a:lnRef idx="1">
+                <a:schemeClr val="accent1"/>
+              </a:lnRef>
+              <a:fillRef idx="3">
+                <a:schemeClr val="accent1"/>
+              </a:fillRef>
+              <a:effectRef idx="2">
+                <a:schemeClr val="accent1"/>
+              </a:effectRef>
+              <a:fontRef idx="minor">
+                <a:schemeClr val="lt1"/>
+              </a:fontRef>
+            </p:style>
+            <p:txBody>
+              <a:bodyPr rtlCol="0" anchor="ctr"/>
+              <a:lstStyle/>
+              <a:p>
+                <a:pPr algn="ctr"/>
+                <a:endParaRPr lang="en-US" dirty="0" smtClean="0"/>
+              </a:p>
+              <a:p>
+                <a:pPr algn="ctr"/>
+                <a:r>
+                  <a:rPr lang="en-US" dirty="0"/>
+                  <a:t/>
+                </a:r>
+                <a:endParaRPr lang="en-US" dirty="0"/>
+              </a:p>
+            </p:txBody>
+          </p:sp>
+          <p:pic>
+            <p:nvPicPr>
+              <p:cNvPr id="206" name="Picture 205" descr="Amino_acid_zwitterions.pdf"/>
+              <p:cNvPicPr>
+                <a:picLocks noChangeAspect="1"/>
+              </p:cNvPicPr>
+              <p:nvPr/>
+            </p:nvPicPr>
+            <p:blipFill>
+              <a:blip r:embed="rId13">
+                <a:extLst>
+                  <a:ext uri="{28A0092B-C50C-407E-A947-70E740481C1C}">
+                    <a14:useLocalDpi xmlns:a14="http://schemas.microsoft.com/office/drawing/2010/main" val="0"/>
+                  </a:ext>
+                </a:extLst>
+              </a:blip>
+              <a:stretch>
+                <a:fillRect/>
+              </a:stretch>
+            </p:blipFill>
+            <p:spPr>
+              <a:xfrm>
+                <a:off x="11242022" y="13979626"/>
+                <a:ext cx="671361" cy="447574"/>
+              </a:xfrm>
+              <a:prstGeom prst="rect">
+                <a:avLst/>
+              </a:prstGeom>
+            </p:spPr>
+          </p:pic>
+        </p:grpSp>
+      </p:grpSp>
+      <p:grpSp>
+        <p:nvGrpSpPr>
+          <p:cNvPr id="215" name="Group 214"/>
+          <p:cNvGrpSpPr/>
           <p:nvPr/>
-        </p:nvSpPr>
-        <p:spPr>
+        </p:nvGrpSpPr>
+        <p:grpSpPr>
           <a:xfrm>
-            <a:off x="349648" y="16810029"/>
-            <a:ext cx="9081053" cy="646331"/>
+            <a:off x="18363041" y="1038259"/>
+            <a:ext cx="535406" cy="3177226"/>
+            <a:chOff x="18430876" y="4633401"/>
+            <a:chExt cx="816501" cy="4845310"/>
           </a:xfrm>
-          <a:prstGeom prst="rect">
-            <a:avLst/>
-          </a:prstGeom>
-          <a:noFill/>
-        </p:spPr>
-        <p:txBody>
-          <a:bodyPr wrap="square" rtlCol="0">
-            <a:spAutoFit/>
-          </a:bodyPr>
-          <a:lstStyle/>
-          <a:p>
-            <a:r>
-              <a:rPr lang="en-US" dirty="0" smtClean="0"/>
-              <a:t>Damaged blood vessel, Patch the leaks.</a:t>
-            </a:r>
-            <a:endParaRPr lang="en-US" dirty="0"/>
-          </a:p>
-        </p:txBody>
-      </p:sp>
-      <p:sp>
-        <p:nvSpPr>
-          <p:cNvPr id="37" name="TextBox 36"/>
-          <p:cNvSpPr txBox="1"/>
+        </p:grpSpPr>
+        <p:grpSp>
+          <p:nvGrpSpPr>
+            <p:cNvPr id="216" name="Group 215"/>
+            <p:cNvGrpSpPr/>
+            <p:nvPr/>
+          </p:nvGrpSpPr>
+          <p:grpSpPr>
+            <a:xfrm>
+              <a:off x="18430876" y="6575094"/>
+              <a:ext cx="816501" cy="861862"/>
+              <a:chOff x="13971228" y="10070170"/>
+              <a:chExt cx="816501" cy="861862"/>
+            </a:xfrm>
+          </p:grpSpPr>
+          <p:sp>
+            <p:nvSpPr>
+              <p:cNvPr id="229" name="Oval 228"/>
+              <p:cNvSpPr/>
+              <p:nvPr/>
+            </p:nvSpPr>
+            <p:spPr>
+              <a:xfrm>
+                <a:off x="13971228" y="10070170"/>
+                <a:ext cx="816501" cy="861862"/>
+              </a:xfrm>
+              <a:prstGeom prst="ellipse">
+                <a:avLst/>
+              </a:prstGeom>
+              <a:solidFill>
+                <a:srgbClr val="FFFF00"/>
+              </a:solidFill>
+              <a:ln>
+                <a:noFill/>
+              </a:ln>
+            </p:spPr>
+            <p:style>
+              <a:lnRef idx="1">
+                <a:schemeClr val="accent1"/>
+              </a:lnRef>
+              <a:fillRef idx="3">
+                <a:schemeClr val="accent1"/>
+              </a:fillRef>
+              <a:effectRef idx="2">
+                <a:schemeClr val="accent1"/>
+              </a:effectRef>
+              <a:fontRef idx="minor">
+                <a:schemeClr val="lt1"/>
+              </a:fontRef>
+            </p:style>
+            <p:txBody>
+              <a:bodyPr rtlCol="0" anchor="ctr"/>
+              <a:lstStyle/>
+              <a:p>
+                <a:pPr algn="ctr"/>
+                <a:endParaRPr lang="en-US"/>
+              </a:p>
+            </p:txBody>
+          </p:sp>
+          <p:pic>
+            <p:nvPicPr>
+              <p:cNvPr id="230" name="Picture 229"/>
+              <p:cNvPicPr>
+                <a:picLocks noChangeAspect="1"/>
+              </p:cNvPicPr>
+              <p:nvPr/>
+            </p:nvPicPr>
+            <p:blipFill>
+              <a:blip r:embed="rId4"/>
+              <a:stretch>
+                <a:fillRect/>
+              </a:stretch>
+            </p:blipFill>
+            <p:spPr>
+              <a:xfrm>
+                <a:off x="14025660" y="10190658"/>
+                <a:ext cx="712840" cy="559255"/>
+              </a:xfrm>
+              <a:prstGeom prst="rect">
+                <a:avLst/>
+              </a:prstGeom>
+            </p:spPr>
+          </p:pic>
+        </p:grpSp>
+        <p:grpSp>
+          <p:nvGrpSpPr>
+            <p:cNvPr id="217" name="Group 216"/>
+            <p:cNvGrpSpPr/>
+            <p:nvPr/>
+          </p:nvGrpSpPr>
+          <p:grpSpPr>
+            <a:xfrm>
+              <a:off x="18430876" y="7578773"/>
+              <a:ext cx="816501" cy="861862"/>
+              <a:chOff x="13971228" y="14766810"/>
+              <a:chExt cx="816501" cy="861862"/>
+            </a:xfrm>
+          </p:grpSpPr>
+          <p:sp>
+            <p:nvSpPr>
+              <p:cNvPr id="227" name="Oval 226"/>
+              <p:cNvSpPr/>
+              <p:nvPr/>
+            </p:nvSpPr>
+            <p:spPr>
+              <a:xfrm>
+                <a:off x="13971228" y="14766810"/>
+                <a:ext cx="816501" cy="861862"/>
+              </a:xfrm>
+              <a:prstGeom prst="ellipse">
+                <a:avLst/>
+              </a:prstGeom>
+              <a:solidFill>
+                <a:srgbClr val="FF0000"/>
+              </a:solidFill>
+              <a:ln>
+                <a:noFill/>
+              </a:ln>
+            </p:spPr>
+            <p:style>
+              <a:lnRef idx="1">
+                <a:schemeClr val="accent1"/>
+              </a:lnRef>
+              <a:fillRef idx="3">
+                <a:schemeClr val="accent1"/>
+              </a:fillRef>
+              <a:effectRef idx="2">
+                <a:schemeClr val="accent1"/>
+              </a:effectRef>
+              <a:fontRef idx="minor">
+                <a:schemeClr val="lt1"/>
+              </a:fontRef>
+            </p:style>
+            <p:txBody>
+              <a:bodyPr rtlCol="0" anchor="ctr"/>
+              <a:lstStyle/>
+              <a:p>
+                <a:pPr algn="ctr"/>
+                <a:endParaRPr lang="en-US" dirty="0" smtClean="0"/>
+              </a:p>
+              <a:p>
+                <a:pPr algn="ctr"/>
+                <a:r>
+                  <a:rPr lang="en-US" dirty="0"/>
+                  <a:t/>
+                </a:r>
+                <a:endParaRPr lang="en-US" dirty="0"/>
+              </a:p>
+            </p:txBody>
+          </p:sp>
+          <p:pic>
+            <p:nvPicPr>
+              <p:cNvPr id="228" name="Picture 227" descr="Stearic_acid.pdf"/>
+              <p:cNvPicPr>
+                <a:picLocks noChangeAspect="1"/>
+              </p:cNvPicPr>
+              <p:nvPr/>
+            </p:nvPicPr>
+            <p:blipFill rotWithShape="1">
+              <a:blip r:embed="rId6">
+                <a:extLst>
+                  <a:ext uri="{28A0092B-C50C-407E-A947-70E740481C1C}">
+                    <a14:useLocalDpi xmlns:a14="http://schemas.microsoft.com/office/drawing/2010/main" val="0"/>
+                  </a:ext>
+                </a:extLst>
+              </a:blip>
+              <a:srcRect l="63027"/>
+              <a:stretch/>
+            </p:blipFill>
+            <p:spPr>
+              <a:xfrm>
+                <a:off x="14021706" y="15013522"/>
+                <a:ext cx="716794" cy="271306"/>
+              </a:xfrm>
+              <a:prstGeom prst="rect">
+                <a:avLst/>
+              </a:prstGeom>
+            </p:spPr>
+          </p:pic>
+        </p:grpSp>
+        <p:grpSp>
+          <p:nvGrpSpPr>
+            <p:cNvPr id="218" name="Group 217"/>
+            <p:cNvGrpSpPr/>
+            <p:nvPr/>
+          </p:nvGrpSpPr>
+          <p:grpSpPr>
+            <a:xfrm>
+              <a:off x="18430876" y="4633401"/>
+              <a:ext cx="816501" cy="861862"/>
+              <a:chOff x="10131848" y="12613983"/>
+              <a:chExt cx="816501" cy="861862"/>
+            </a:xfrm>
+          </p:grpSpPr>
+          <p:sp>
+            <p:nvSpPr>
+              <p:cNvPr id="225" name="Oval 224"/>
+              <p:cNvSpPr/>
+              <p:nvPr/>
+            </p:nvSpPr>
+            <p:spPr>
+              <a:xfrm>
+                <a:off x="10131848" y="12613983"/>
+                <a:ext cx="816501" cy="861862"/>
+              </a:xfrm>
+              <a:prstGeom prst="ellipse">
+                <a:avLst/>
+              </a:prstGeom>
+              <a:solidFill>
+                <a:srgbClr val="008000"/>
+              </a:solidFill>
+              <a:ln>
+                <a:noFill/>
+              </a:ln>
+            </p:spPr>
+            <p:style>
+              <a:lnRef idx="1">
+                <a:schemeClr val="accent1"/>
+              </a:lnRef>
+              <a:fillRef idx="3">
+                <a:schemeClr val="accent1"/>
+              </a:fillRef>
+              <a:effectRef idx="2">
+                <a:schemeClr val="accent1"/>
+              </a:effectRef>
+              <a:fontRef idx="minor">
+                <a:schemeClr val="lt1"/>
+              </a:fontRef>
+            </p:style>
+            <p:txBody>
+              <a:bodyPr rtlCol="0" anchor="ctr"/>
+              <a:lstStyle/>
+              <a:p>
+                <a:pPr algn="ctr"/>
+                <a:endParaRPr lang="en-US"/>
+              </a:p>
+            </p:txBody>
+          </p:sp>
+          <p:pic>
+            <p:nvPicPr>
+              <p:cNvPr id="226" name="Picture 225" descr="Saccharose.pdf"/>
+              <p:cNvPicPr>
+                <a:picLocks noChangeAspect="1"/>
+              </p:cNvPicPr>
+              <p:nvPr/>
+            </p:nvPicPr>
+            <p:blipFill>
+              <a:blip r:embed="rId7">
+                <a:extLst>
+                  <a:ext uri="{28A0092B-C50C-407E-A947-70E740481C1C}">
+                    <a14:useLocalDpi xmlns:a14="http://schemas.microsoft.com/office/drawing/2010/main" val="0"/>
+                  </a:ext>
+                </a:extLst>
+              </a:blip>
+              <a:stretch>
+                <a:fillRect/>
+              </a:stretch>
+            </p:blipFill>
+            <p:spPr>
+              <a:xfrm>
+                <a:off x="10141012" y="12851937"/>
+                <a:ext cx="807337" cy="418294"/>
+              </a:xfrm>
+              <a:prstGeom prst="rect">
+                <a:avLst/>
+              </a:prstGeom>
+            </p:spPr>
+          </p:pic>
+        </p:grpSp>
+        <p:grpSp>
+          <p:nvGrpSpPr>
+            <p:cNvPr id="219" name="Group 218"/>
+            <p:cNvGrpSpPr/>
+            <p:nvPr/>
+          </p:nvGrpSpPr>
+          <p:grpSpPr>
+            <a:xfrm>
+              <a:off x="18430876" y="8616849"/>
+              <a:ext cx="816501" cy="861862"/>
+              <a:chOff x="16861613" y="14883866"/>
+              <a:chExt cx="816501" cy="861862"/>
+            </a:xfrm>
+          </p:grpSpPr>
+          <p:sp>
+            <p:nvSpPr>
+              <p:cNvPr id="223" name="Oval 222"/>
+              <p:cNvSpPr/>
+              <p:nvPr/>
+            </p:nvSpPr>
+            <p:spPr>
+              <a:xfrm>
+                <a:off x="16861613" y="14883866"/>
+                <a:ext cx="816501" cy="861862"/>
+              </a:xfrm>
+              <a:prstGeom prst="ellipse">
+                <a:avLst/>
+              </a:prstGeom>
+              <a:solidFill>
+                <a:srgbClr val="FF6600"/>
+              </a:solidFill>
+              <a:ln>
+                <a:noFill/>
+              </a:ln>
+            </p:spPr>
+            <p:style>
+              <a:lnRef idx="1">
+                <a:schemeClr val="accent1"/>
+              </a:lnRef>
+              <a:fillRef idx="3">
+                <a:schemeClr val="accent1"/>
+              </a:fillRef>
+              <a:effectRef idx="2">
+                <a:schemeClr val="accent1"/>
+              </a:effectRef>
+              <a:fontRef idx="minor">
+                <a:schemeClr val="lt1"/>
+              </a:fontRef>
+            </p:style>
+            <p:txBody>
+              <a:bodyPr rtlCol="0" anchor="ctr"/>
+              <a:lstStyle/>
+              <a:p>
+                <a:pPr algn="ctr"/>
+                <a:endParaRPr lang="en-US" dirty="0"/>
+              </a:p>
+            </p:txBody>
+          </p:sp>
+          <p:pic>
+            <p:nvPicPr>
+              <p:cNvPr id="224" name="Picture 223" descr="Alpha-D-Glucopyranose.pdf"/>
+              <p:cNvPicPr>
+                <a:picLocks noChangeAspect="1"/>
+              </p:cNvPicPr>
+              <p:nvPr/>
+            </p:nvPicPr>
+            <p:blipFill>
+              <a:blip r:embed="rId11">
+                <a:extLst>
+                  <a:ext uri="{28A0092B-C50C-407E-A947-70E740481C1C}">
+                    <a14:useLocalDpi xmlns:a14="http://schemas.microsoft.com/office/drawing/2010/main" val="0"/>
+                  </a:ext>
+                </a:extLst>
+              </a:blip>
+              <a:stretch>
+                <a:fillRect/>
+              </a:stretch>
+            </p:blipFill>
+            <p:spPr>
+              <a:xfrm>
+                <a:off x="16959658" y="14970252"/>
+                <a:ext cx="718456" cy="775476"/>
+              </a:xfrm>
+              <a:prstGeom prst="rect">
+                <a:avLst/>
+              </a:prstGeom>
+            </p:spPr>
+          </p:pic>
+        </p:grpSp>
+        <p:grpSp>
+          <p:nvGrpSpPr>
+            <p:cNvPr id="220" name="Group 219"/>
+            <p:cNvGrpSpPr/>
+            <p:nvPr/>
+          </p:nvGrpSpPr>
+          <p:grpSpPr>
+            <a:xfrm>
+              <a:off x="18430876" y="5636672"/>
+              <a:ext cx="816501" cy="861862"/>
+              <a:chOff x="11167201" y="13791450"/>
+              <a:chExt cx="816501" cy="861862"/>
+            </a:xfrm>
+          </p:grpSpPr>
+          <p:sp>
+            <p:nvSpPr>
+              <p:cNvPr id="221" name="Oval 220"/>
+              <p:cNvSpPr/>
+              <p:nvPr/>
+            </p:nvSpPr>
+            <p:spPr>
+              <a:xfrm>
+                <a:off x="11167201" y="13791450"/>
+                <a:ext cx="816501" cy="861862"/>
+              </a:xfrm>
+              <a:prstGeom prst="ellipse">
+                <a:avLst/>
+              </a:prstGeom>
+              <a:solidFill>
+                <a:schemeClr val="accent6">
+                  <a:lumMod val="60000"/>
+                  <a:lumOff val="40000"/>
+                </a:schemeClr>
+              </a:solidFill>
+              <a:ln>
+                <a:noFill/>
+              </a:ln>
+            </p:spPr>
+            <p:style>
+              <a:lnRef idx="1">
+                <a:schemeClr val="accent1"/>
+              </a:lnRef>
+              <a:fillRef idx="3">
+                <a:schemeClr val="accent1"/>
+              </a:fillRef>
+              <a:effectRef idx="2">
+                <a:schemeClr val="accent1"/>
+              </a:effectRef>
+              <a:fontRef idx="minor">
+                <a:schemeClr val="lt1"/>
+              </a:fontRef>
+            </p:style>
+            <p:txBody>
+              <a:bodyPr rtlCol="0" anchor="ctr"/>
+              <a:lstStyle/>
+              <a:p>
+                <a:pPr algn="ctr"/>
+                <a:endParaRPr lang="en-US" dirty="0" smtClean="0"/>
+              </a:p>
+              <a:p>
+                <a:pPr algn="ctr"/>
+                <a:r>
+                  <a:rPr lang="en-US" dirty="0"/>
+                  <a:t/>
+                </a:r>
+                <a:endParaRPr lang="en-US" dirty="0"/>
+              </a:p>
+            </p:txBody>
+          </p:sp>
+          <p:pic>
+            <p:nvPicPr>
+              <p:cNvPr id="222" name="Picture 221" descr="Amino_acid_zwitterions.pdf"/>
+              <p:cNvPicPr>
+                <a:picLocks noChangeAspect="1"/>
+              </p:cNvPicPr>
+              <p:nvPr/>
+            </p:nvPicPr>
+            <p:blipFill>
+              <a:blip r:embed="rId13">
+                <a:extLst>
+                  <a:ext uri="{28A0092B-C50C-407E-A947-70E740481C1C}">
+                    <a14:useLocalDpi xmlns:a14="http://schemas.microsoft.com/office/drawing/2010/main" val="0"/>
+                  </a:ext>
+                </a:extLst>
+              </a:blip>
+              <a:stretch>
+                <a:fillRect/>
+              </a:stretch>
+            </p:blipFill>
+            <p:spPr>
+              <a:xfrm>
+                <a:off x="11242022" y="13979626"/>
+                <a:ext cx="671361" cy="447574"/>
+              </a:xfrm>
+              <a:prstGeom prst="rect">
+                <a:avLst/>
+              </a:prstGeom>
+            </p:spPr>
+          </p:pic>
+        </p:grpSp>
+      </p:grpSp>
+      <p:grpSp>
+        <p:nvGrpSpPr>
+          <p:cNvPr id="231" name="Group 230"/>
+          <p:cNvGrpSpPr/>
           <p:nvPr/>
-        </p:nvSpPr>
-        <p:spPr>
+        </p:nvGrpSpPr>
+        <p:grpSpPr>
           <a:xfrm>
-            <a:off x="9430701" y="7678713"/>
-            <a:ext cx="9081053" cy="646331"/>
+            <a:off x="18442680" y="15645393"/>
+            <a:ext cx="409657" cy="2431002"/>
+            <a:chOff x="18430876" y="4633401"/>
+            <a:chExt cx="816501" cy="4845310"/>
           </a:xfrm>
-          <a:prstGeom prst="rect">
-            <a:avLst/>
-          </a:prstGeom>
-          <a:noFill/>
-        </p:spPr>
-        <p:txBody>
-          <a:bodyPr wrap="square" rtlCol="0">
-            <a:spAutoFit/>
-          </a:bodyPr>
-          <a:lstStyle/>
-          <a:p>
-            <a:r>
-              <a:rPr lang="en-US" dirty="0" smtClean="0"/>
-              <a:t>Neuron is damages, be an artificial wire for it.</a:t>
-            </a:r>
-            <a:endParaRPr lang="en-US" dirty="0"/>
-          </a:p>
-        </p:txBody>
-      </p:sp>
+        </p:grpSpPr>
+        <p:grpSp>
+          <p:nvGrpSpPr>
+            <p:cNvPr id="232" name="Group 231"/>
+            <p:cNvGrpSpPr/>
+            <p:nvPr/>
+          </p:nvGrpSpPr>
+          <p:grpSpPr>
+            <a:xfrm>
+              <a:off x="18430876" y="6575094"/>
+              <a:ext cx="816501" cy="861862"/>
+              <a:chOff x="13971228" y="10070170"/>
+              <a:chExt cx="816501" cy="861862"/>
+            </a:xfrm>
+          </p:grpSpPr>
+          <p:sp>
+            <p:nvSpPr>
+              <p:cNvPr id="245" name="Oval 244"/>
+              <p:cNvSpPr/>
+              <p:nvPr/>
+            </p:nvSpPr>
+            <p:spPr>
+              <a:xfrm>
+                <a:off x="13971228" y="10070170"/>
+                <a:ext cx="816501" cy="861862"/>
+              </a:xfrm>
+              <a:prstGeom prst="ellipse">
+                <a:avLst/>
+              </a:prstGeom>
+              <a:solidFill>
+                <a:srgbClr val="FFFF00"/>
+              </a:solidFill>
+              <a:ln>
+                <a:noFill/>
+              </a:ln>
+            </p:spPr>
+            <p:style>
+              <a:lnRef idx="1">
+                <a:schemeClr val="accent1"/>
+              </a:lnRef>
+              <a:fillRef idx="3">
+                <a:schemeClr val="accent1"/>
+              </a:fillRef>
+              <a:effectRef idx="2">
+                <a:schemeClr val="accent1"/>
+              </a:effectRef>
+              <a:fontRef idx="minor">
+                <a:schemeClr val="lt1"/>
+              </a:fontRef>
+            </p:style>
+            <p:txBody>
+              <a:bodyPr rtlCol="0" anchor="ctr"/>
+              <a:lstStyle/>
+              <a:p>
+                <a:pPr algn="ctr"/>
+                <a:endParaRPr lang="en-US"/>
+              </a:p>
+            </p:txBody>
+          </p:sp>
+          <p:pic>
+            <p:nvPicPr>
+              <p:cNvPr id="246" name="Picture 245"/>
+              <p:cNvPicPr>
+                <a:picLocks noChangeAspect="1"/>
+              </p:cNvPicPr>
+              <p:nvPr/>
+            </p:nvPicPr>
+            <p:blipFill>
+              <a:blip r:embed="rId4"/>
+              <a:stretch>
+                <a:fillRect/>
+              </a:stretch>
+            </p:blipFill>
+            <p:spPr>
+              <a:xfrm>
+                <a:off x="14025660" y="10190658"/>
+                <a:ext cx="712840" cy="559255"/>
+              </a:xfrm>
+              <a:prstGeom prst="rect">
+                <a:avLst/>
+              </a:prstGeom>
+            </p:spPr>
+          </p:pic>
+        </p:grpSp>
+        <p:grpSp>
+          <p:nvGrpSpPr>
+            <p:cNvPr id="233" name="Group 232"/>
+            <p:cNvGrpSpPr/>
+            <p:nvPr/>
+          </p:nvGrpSpPr>
+          <p:grpSpPr>
+            <a:xfrm>
+              <a:off x="18430876" y="7578773"/>
+              <a:ext cx="816501" cy="861862"/>
+              <a:chOff x="13971228" y="14766810"/>
+              <a:chExt cx="816501" cy="861862"/>
+            </a:xfrm>
+          </p:grpSpPr>
+          <p:sp>
+            <p:nvSpPr>
+              <p:cNvPr id="243" name="Oval 242"/>
+              <p:cNvSpPr/>
+              <p:nvPr/>
+            </p:nvSpPr>
+            <p:spPr>
+              <a:xfrm>
+                <a:off x="13971228" y="14766810"/>
+                <a:ext cx="816501" cy="861862"/>
+              </a:xfrm>
+              <a:prstGeom prst="ellipse">
+                <a:avLst/>
+              </a:prstGeom>
+              <a:solidFill>
+                <a:srgbClr val="FF0000"/>
+              </a:solidFill>
+              <a:ln>
+                <a:noFill/>
+              </a:ln>
+            </p:spPr>
+            <p:style>
+              <a:lnRef idx="1">
+                <a:schemeClr val="accent1"/>
+              </a:lnRef>
+              <a:fillRef idx="3">
+                <a:schemeClr val="accent1"/>
+              </a:fillRef>
+              <a:effectRef idx="2">
+                <a:schemeClr val="accent1"/>
+              </a:effectRef>
+              <a:fontRef idx="minor">
+                <a:schemeClr val="lt1"/>
+              </a:fontRef>
+            </p:style>
+            <p:txBody>
+              <a:bodyPr rtlCol="0" anchor="ctr"/>
+              <a:lstStyle/>
+              <a:p>
+                <a:pPr algn="ctr"/>
+                <a:endParaRPr lang="en-US" dirty="0" smtClean="0"/>
+              </a:p>
+              <a:p>
+                <a:pPr algn="ctr"/>
+                <a:r>
+                  <a:rPr lang="en-US" dirty="0"/>
+                  <a:t/>
+                </a:r>
+                <a:endParaRPr lang="en-US" dirty="0"/>
+              </a:p>
+            </p:txBody>
+          </p:sp>
+          <p:pic>
+            <p:nvPicPr>
+              <p:cNvPr id="244" name="Picture 243" descr="Stearic_acid.pdf"/>
+              <p:cNvPicPr>
+                <a:picLocks noChangeAspect="1"/>
+              </p:cNvPicPr>
+              <p:nvPr/>
+            </p:nvPicPr>
+            <p:blipFill rotWithShape="1">
+              <a:blip r:embed="rId6">
+                <a:extLst>
+                  <a:ext uri="{28A0092B-C50C-407E-A947-70E740481C1C}">
+                    <a14:useLocalDpi xmlns:a14="http://schemas.microsoft.com/office/drawing/2010/main" val="0"/>
+                  </a:ext>
+                </a:extLst>
+              </a:blip>
+              <a:srcRect l="63027"/>
+              <a:stretch/>
+            </p:blipFill>
+            <p:spPr>
+              <a:xfrm>
+                <a:off x="14021706" y="15013522"/>
+                <a:ext cx="716794" cy="271306"/>
+              </a:xfrm>
+              <a:prstGeom prst="rect">
+                <a:avLst/>
+              </a:prstGeom>
+            </p:spPr>
+          </p:pic>
+        </p:grpSp>
+        <p:grpSp>
+          <p:nvGrpSpPr>
+            <p:cNvPr id="234" name="Group 233"/>
+            <p:cNvGrpSpPr/>
+            <p:nvPr/>
+          </p:nvGrpSpPr>
+          <p:grpSpPr>
+            <a:xfrm>
+              <a:off x="18430876" y="4633401"/>
+              <a:ext cx="816501" cy="861862"/>
+              <a:chOff x="10131848" y="12613983"/>
+              <a:chExt cx="816501" cy="861862"/>
+            </a:xfrm>
+          </p:grpSpPr>
+          <p:sp>
+            <p:nvSpPr>
+              <p:cNvPr id="241" name="Oval 240"/>
+              <p:cNvSpPr/>
+              <p:nvPr/>
+            </p:nvSpPr>
+            <p:spPr>
+              <a:xfrm>
+                <a:off x="10131848" y="12613983"/>
+                <a:ext cx="816501" cy="861862"/>
+              </a:xfrm>
+              <a:prstGeom prst="ellipse">
+                <a:avLst/>
+              </a:prstGeom>
+              <a:solidFill>
+                <a:srgbClr val="008000"/>
+              </a:solidFill>
+              <a:ln>
+                <a:noFill/>
+              </a:ln>
+            </p:spPr>
+            <p:style>
+              <a:lnRef idx="1">
+                <a:schemeClr val="accent1"/>
+              </a:lnRef>
+              <a:fillRef idx="3">
+                <a:schemeClr val="accent1"/>
+              </a:fillRef>
+              <a:effectRef idx="2">
+                <a:schemeClr val="accent1"/>
+              </a:effectRef>
+              <a:fontRef idx="minor">
+                <a:schemeClr val="lt1"/>
+              </a:fontRef>
+            </p:style>
+            <p:txBody>
+              <a:bodyPr rtlCol="0" anchor="ctr"/>
+              <a:lstStyle/>
+              <a:p>
+                <a:pPr algn="ctr"/>
+                <a:endParaRPr lang="en-US"/>
+              </a:p>
+            </p:txBody>
+          </p:sp>
+          <p:pic>
+            <p:nvPicPr>
+              <p:cNvPr id="242" name="Picture 241" descr="Saccharose.pdf"/>
+              <p:cNvPicPr>
+                <a:picLocks noChangeAspect="1"/>
+              </p:cNvPicPr>
+              <p:nvPr/>
+            </p:nvPicPr>
+            <p:blipFill>
+              <a:blip r:embed="rId7">
+                <a:extLst>
+                  <a:ext uri="{28A0092B-C50C-407E-A947-70E740481C1C}">
+                    <a14:useLocalDpi xmlns:a14="http://schemas.microsoft.com/office/drawing/2010/main" val="0"/>
+                  </a:ext>
+                </a:extLst>
+              </a:blip>
+              <a:stretch>
+                <a:fillRect/>
+              </a:stretch>
+            </p:blipFill>
+            <p:spPr>
+              <a:xfrm>
+                <a:off x="10141012" y="12851937"/>
+                <a:ext cx="807337" cy="418294"/>
+              </a:xfrm>
+              <a:prstGeom prst="rect">
+                <a:avLst/>
+              </a:prstGeom>
+            </p:spPr>
+          </p:pic>
+        </p:grpSp>
+        <p:grpSp>
+          <p:nvGrpSpPr>
+            <p:cNvPr id="235" name="Group 234"/>
+            <p:cNvGrpSpPr/>
+            <p:nvPr/>
+          </p:nvGrpSpPr>
+          <p:grpSpPr>
+            <a:xfrm>
+              <a:off x="18430876" y="8616849"/>
+              <a:ext cx="816501" cy="861862"/>
+              <a:chOff x="16861613" y="14883866"/>
+              <a:chExt cx="816501" cy="861862"/>
+            </a:xfrm>
+          </p:grpSpPr>
+          <p:sp>
+            <p:nvSpPr>
+              <p:cNvPr id="239" name="Oval 238"/>
+              <p:cNvSpPr/>
+              <p:nvPr/>
+            </p:nvSpPr>
+            <p:spPr>
+              <a:xfrm>
+                <a:off x="16861613" y="14883866"/>
+                <a:ext cx="816501" cy="861862"/>
+              </a:xfrm>
+              <a:prstGeom prst="ellipse">
+                <a:avLst/>
+              </a:prstGeom>
+              <a:solidFill>
+                <a:srgbClr val="FF6600"/>
+              </a:solidFill>
+              <a:ln>
+                <a:noFill/>
+              </a:ln>
+            </p:spPr>
+            <p:style>
+              <a:lnRef idx="1">
+                <a:schemeClr val="accent1"/>
+              </a:lnRef>
+              <a:fillRef idx="3">
+                <a:schemeClr val="accent1"/>
+              </a:fillRef>
+              <a:effectRef idx="2">
+                <a:schemeClr val="accent1"/>
+              </a:effectRef>
+              <a:fontRef idx="minor">
+                <a:schemeClr val="lt1"/>
+              </a:fontRef>
+            </p:style>
+            <p:txBody>
+              <a:bodyPr rtlCol="0" anchor="ctr"/>
+              <a:lstStyle/>
+              <a:p>
+                <a:pPr algn="ctr"/>
+                <a:endParaRPr lang="en-US" dirty="0"/>
+              </a:p>
+            </p:txBody>
+          </p:sp>
+          <p:pic>
+            <p:nvPicPr>
+              <p:cNvPr id="240" name="Picture 239" descr="Alpha-D-Glucopyranose.pdf"/>
+              <p:cNvPicPr>
+                <a:picLocks noChangeAspect="1"/>
+              </p:cNvPicPr>
+              <p:nvPr/>
+            </p:nvPicPr>
+            <p:blipFill>
+              <a:blip r:embed="rId11">
+                <a:extLst>
+                  <a:ext uri="{28A0092B-C50C-407E-A947-70E740481C1C}">
+                    <a14:useLocalDpi xmlns:a14="http://schemas.microsoft.com/office/drawing/2010/main" val="0"/>
+                  </a:ext>
+                </a:extLst>
+              </a:blip>
+              <a:stretch>
+                <a:fillRect/>
+              </a:stretch>
+            </p:blipFill>
+            <p:spPr>
+              <a:xfrm>
+                <a:off x="16959658" y="14970252"/>
+                <a:ext cx="718456" cy="775476"/>
+              </a:xfrm>
+              <a:prstGeom prst="rect">
+                <a:avLst/>
+              </a:prstGeom>
+            </p:spPr>
+          </p:pic>
+        </p:grpSp>
+        <p:grpSp>
+          <p:nvGrpSpPr>
+            <p:cNvPr id="236" name="Group 235"/>
+            <p:cNvGrpSpPr/>
+            <p:nvPr/>
+          </p:nvGrpSpPr>
+          <p:grpSpPr>
+            <a:xfrm>
+              <a:off x="18430876" y="5636672"/>
+              <a:ext cx="816501" cy="861862"/>
+              <a:chOff x="11167201" y="13791450"/>
+              <a:chExt cx="816501" cy="861862"/>
+            </a:xfrm>
+          </p:grpSpPr>
+          <p:sp>
+            <p:nvSpPr>
+              <p:cNvPr id="237" name="Oval 236"/>
+              <p:cNvSpPr/>
+              <p:nvPr/>
+            </p:nvSpPr>
+            <p:spPr>
+              <a:xfrm>
+                <a:off x="11167201" y="13791450"/>
+                <a:ext cx="816501" cy="861862"/>
+              </a:xfrm>
+              <a:prstGeom prst="ellipse">
+                <a:avLst/>
+              </a:prstGeom>
+              <a:solidFill>
+                <a:schemeClr val="accent6">
+                  <a:lumMod val="60000"/>
+                  <a:lumOff val="40000"/>
+                </a:schemeClr>
+              </a:solidFill>
+              <a:ln>
+                <a:noFill/>
+              </a:ln>
+            </p:spPr>
+            <p:style>
+              <a:lnRef idx="1">
+                <a:schemeClr val="accent1"/>
+              </a:lnRef>
+              <a:fillRef idx="3">
+                <a:schemeClr val="accent1"/>
+              </a:fillRef>
+              <a:effectRef idx="2">
+                <a:schemeClr val="accent1"/>
+              </a:effectRef>
+              <a:fontRef idx="minor">
+                <a:schemeClr val="lt1"/>
+              </a:fontRef>
+            </p:style>
+            <p:txBody>
+              <a:bodyPr rtlCol="0" anchor="ctr"/>
+              <a:lstStyle/>
+              <a:p>
+                <a:pPr algn="ctr"/>
+                <a:endParaRPr lang="en-US" dirty="0" smtClean="0"/>
+              </a:p>
+              <a:p>
+                <a:pPr algn="ctr"/>
+                <a:r>
+                  <a:rPr lang="en-US" dirty="0"/>
+                  <a:t/>
+                </a:r>
+                <a:endParaRPr lang="en-US" dirty="0"/>
+              </a:p>
+            </p:txBody>
+          </p:sp>
+          <p:pic>
+            <p:nvPicPr>
+              <p:cNvPr id="238" name="Picture 237" descr="Amino_acid_zwitterions.pdf"/>
+              <p:cNvPicPr>
+                <a:picLocks noChangeAspect="1"/>
+              </p:cNvPicPr>
+              <p:nvPr/>
+            </p:nvPicPr>
+            <p:blipFill>
+              <a:blip r:embed="rId13">
+                <a:extLst>
+                  <a:ext uri="{28A0092B-C50C-407E-A947-70E740481C1C}">
+                    <a14:useLocalDpi xmlns:a14="http://schemas.microsoft.com/office/drawing/2010/main" val="0"/>
+                  </a:ext>
+                </a:extLst>
+              </a:blip>
+              <a:stretch>
+                <a:fillRect/>
+              </a:stretch>
+            </p:blipFill>
+            <p:spPr>
+              <a:xfrm>
+                <a:off x="11242022" y="13979626"/>
+                <a:ext cx="671361" cy="447574"/>
+              </a:xfrm>
+              <a:prstGeom prst="rect">
+                <a:avLst/>
+              </a:prstGeom>
+            </p:spPr>
+          </p:pic>
+        </p:grpSp>
+      </p:grpSp>
     </p:spTree>
     <p:extLst>
       <p:ext uri="{BB962C8B-B14F-4D97-AF65-F5344CB8AC3E}">

--- a/Presentations/board.pptx
+++ b/Presentations/board.pptx
@@ -3102,6 +3102,36 @@
       </p:grpSpPr>
       <p:pic>
         <p:nvPicPr>
+          <p:cNvPr id="247" name="Picture 246" descr="CancerCellsRand.pdf"/>
+          <p:cNvPicPr>
+            <a:picLocks noChangeAspect="1"/>
+          </p:cNvPicPr>
+          <p:nvPr/>
+        </p:nvPicPr>
+        <p:blipFill>
+          <a:blip r:embed="rId2">
+            <a:extLst>
+              <a:ext uri="{28A0092B-C50C-407E-A947-70E740481C1C}">
+                <a14:useLocalDpi xmlns:a14="http://schemas.microsoft.com/office/drawing/2010/main" val="0"/>
+              </a:ext>
+            </a:extLst>
+          </a:blip>
+          <a:stretch>
+            <a:fillRect/>
+          </a:stretch>
+        </p:blipFill>
+        <p:spPr>
+          <a:xfrm>
+            <a:off x="-46077" y="9015872"/>
+            <a:ext cx="9052560" cy="9052560"/>
+          </a:xfrm>
+          <a:prstGeom prst="rect">
+            <a:avLst/>
+          </a:prstGeom>
+        </p:spPr>
+      </p:pic>
+      <p:pic>
+        <p:nvPicPr>
           <p:cNvPr id="139" name="Picture 138" descr="GettyImages_leaf.jpg"/>
           <p:cNvPicPr>
             <a:picLocks noChangeAspect="1"/>
@@ -3109,7 +3139,7 @@
           <p:nvPr/>
         </p:nvPicPr>
         <p:blipFill rotWithShape="1">
-          <a:blip r:embed="rId2">
+          <a:blip r:embed="rId3">
             <a:extLst>
               <a:ext uri="{28A0092B-C50C-407E-A947-70E740481C1C}">
                 <a14:useLocalDpi xmlns:a14="http://schemas.microsoft.com/office/drawing/2010/main" val="0"/>
@@ -3138,7 +3168,7 @@
           <p:nvPr/>
         </p:nvPicPr>
         <p:blipFill>
-          <a:blip r:embed="rId3">
+          <a:blip r:embed="rId4">
             <a:extLst>
               <a:ext uri="{28A0092B-C50C-407E-A947-70E740481C1C}">
                 <a14:useLocalDpi xmlns:a14="http://schemas.microsoft.com/office/drawing/2010/main" val="0"/>
@@ -3226,7 +3256,7 @@
             <p:nvPr/>
           </p:nvPicPr>
           <p:blipFill>
-            <a:blip r:embed="rId4"/>
+            <a:blip r:embed="rId5"/>
             <a:stretch>
               <a:fillRect/>
             </a:stretch>
@@ -3251,7 +3281,7 @@
           <p:nvPr/>
         </p:nvPicPr>
         <p:blipFill>
-          <a:blip r:embed="rId5">
+          <a:blip r:embed="rId6">
             <a:extLst>
               <a:ext uri="{28A0092B-C50C-407E-A947-70E740481C1C}">
                 <a14:useLocalDpi xmlns:a14="http://schemas.microsoft.com/office/drawing/2010/main" val="0"/>
@@ -3421,7 +3451,7 @@
             <p:nvPr/>
           </p:nvPicPr>
           <p:blipFill rotWithShape="1">
-            <a:blip r:embed="rId6">
+            <a:blip r:embed="rId7">
               <a:extLst>
                 <a:ext uri="{28A0092B-C50C-407E-A947-70E740481C1C}">
                   <a14:useLocalDpi xmlns:a14="http://schemas.microsoft.com/office/drawing/2010/main" val="0"/>
@@ -3509,7 +3539,7 @@
             <p:nvPr/>
           </p:nvPicPr>
           <p:blipFill>
-            <a:blip r:embed="rId7">
+            <a:blip r:embed="rId8">
               <a:extLst>
                 <a:ext uri="{28A0092B-C50C-407E-A947-70E740481C1C}">
                   <a14:useLocalDpi xmlns:a14="http://schemas.microsoft.com/office/drawing/2010/main" val="0"/>
@@ -3531,36 +3561,6 @@
           </p:spPr>
         </p:pic>
       </p:grpSp>
-      <p:pic>
-        <p:nvPicPr>
-          <p:cNvPr id="154" name="Picture 153" descr="CancerCells2.pdf"/>
-          <p:cNvPicPr>
-            <a:picLocks noChangeAspect="1"/>
-          </p:cNvPicPr>
-          <p:nvPr/>
-        </p:nvPicPr>
-        <p:blipFill>
-          <a:blip r:embed="rId8">
-            <a:extLst>
-              <a:ext uri="{28A0092B-C50C-407E-A947-70E740481C1C}">
-                <a14:useLocalDpi xmlns:a14="http://schemas.microsoft.com/office/drawing/2010/main" val="0"/>
-              </a:ext>
-            </a:extLst>
-          </a:blip>
-          <a:stretch>
-            <a:fillRect/>
-          </a:stretch>
-        </p:blipFill>
-        <p:spPr>
-          <a:xfrm>
-            <a:off x="-46077" y="9015560"/>
-            <a:ext cx="9052560" cy="9052560"/>
-          </a:xfrm>
-          <a:prstGeom prst="rect">
-            <a:avLst/>
-          </a:prstGeom>
-        </p:spPr>
-      </p:pic>
       <p:grpSp>
         <p:nvGrpSpPr>
           <p:cNvPr id="155" name="Group 154"/>
@@ -3569,9 +3569,9 @@
         </p:nvGrpSpPr>
         <p:grpSpPr>
           <a:xfrm>
-            <a:off x="1244401" y="9315544"/>
+            <a:off x="648306" y="10508370"/>
             <a:ext cx="4128968" cy="1682634"/>
-            <a:chOff x="-3894493" y="9898351"/>
+            <a:chOff x="-4490588" y="11091177"/>
             <a:chExt cx="4128968" cy="1682634"/>
           </a:xfrm>
         </p:grpSpPr>
@@ -3583,7 +3583,7 @@
           </p:nvSpPr>
           <p:spPr>
             <a:xfrm>
-              <a:off x="-3894493" y="9898351"/>
+              <a:off x="-4490588" y="11091177"/>
               <a:ext cx="4128968" cy="1569660"/>
             </a:xfrm>
             <a:prstGeom prst="rect">
@@ -3668,7 +3668,7 @@
           </p:blipFill>
           <p:spPr>
             <a:xfrm>
-              <a:off x="-1110251" y="10835670"/>
+              <a:off x="-1706346" y="12028496"/>
               <a:ext cx="621096" cy="745315"/>
             </a:xfrm>
             <a:prstGeom prst="rect">
@@ -3698,7 +3698,7 @@
           </p:blipFill>
           <p:spPr>
             <a:xfrm>
-              <a:off x="-819243" y="10351349"/>
+              <a:off x="-1415338" y="11544175"/>
               <a:ext cx="539024" cy="646829"/>
             </a:xfrm>
             <a:prstGeom prst="rect">
@@ -4023,7 +4023,7 @@
                 <p:nvPr/>
               </p:nvPicPr>
               <p:blipFill>
-                <a:blip r:embed="rId4"/>
+                <a:blip r:embed="rId5"/>
                 <a:stretch>
                   <a:fillRect/>
                 </a:stretch>
@@ -4114,7 +4114,7 @@
                 <p:nvPr/>
               </p:nvPicPr>
               <p:blipFill rotWithShape="1">
-                <a:blip r:embed="rId6">
+                <a:blip r:embed="rId7">
                   <a:extLst>
                     <a:ext uri="{28A0092B-C50C-407E-A947-70E740481C1C}">
                       <a14:useLocalDpi xmlns:a14="http://schemas.microsoft.com/office/drawing/2010/main" val="0"/>
@@ -4202,7 +4202,7 @@
                 <p:nvPr/>
               </p:nvPicPr>
               <p:blipFill>
-                <a:blip r:embed="rId7">
+                <a:blip r:embed="rId8">
                   <a:extLst>
                     <a:ext uri="{28A0092B-C50C-407E-A947-70E740481C1C}">
                       <a14:useLocalDpi xmlns:a14="http://schemas.microsoft.com/office/drawing/2010/main" val="0"/>
@@ -4496,7 +4496,7 @@
               <p:nvPr/>
             </p:nvPicPr>
             <p:blipFill>
-              <a:blip r:embed="rId4"/>
+              <a:blip r:embed="rId5"/>
               <a:stretch>
                 <a:fillRect/>
               </a:stretch>
@@ -4587,7 +4587,7 @@
               <p:nvPr/>
             </p:nvPicPr>
             <p:blipFill rotWithShape="1">
-              <a:blip r:embed="rId6">
+              <a:blip r:embed="rId7">
                 <a:extLst>
                   <a:ext uri="{28A0092B-C50C-407E-A947-70E740481C1C}">
                     <a14:useLocalDpi xmlns:a14="http://schemas.microsoft.com/office/drawing/2010/main" val="0"/>
@@ -4675,7 +4675,7 @@
               <p:nvPr/>
             </p:nvPicPr>
             <p:blipFill>
-              <a:blip r:embed="rId7">
+              <a:blip r:embed="rId8">
                 <a:extLst>
                   <a:ext uri="{28A0092B-C50C-407E-A947-70E740481C1C}">
                     <a14:useLocalDpi xmlns:a14="http://schemas.microsoft.com/office/drawing/2010/main" val="0"/>
@@ -4968,7 +4968,7 @@
               <p:nvPr/>
             </p:nvPicPr>
             <p:blipFill>
-              <a:blip r:embed="rId4"/>
+              <a:blip r:embed="rId5"/>
               <a:stretch>
                 <a:fillRect/>
               </a:stretch>
@@ -5059,7 +5059,7 @@
               <p:nvPr/>
             </p:nvPicPr>
             <p:blipFill rotWithShape="1">
-              <a:blip r:embed="rId6">
+              <a:blip r:embed="rId7">
                 <a:extLst>
                   <a:ext uri="{28A0092B-C50C-407E-A947-70E740481C1C}">
                     <a14:useLocalDpi xmlns:a14="http://schemas.microsoft.com/office/drawing/2010/main" val="0"/>
@@ -5147,7 +5147,7 @@
               <p:nvPr/>
             </p:nvPicPr>
             <p:blipFill>
-              <a:blip r:embed="rId7">
+              <a:blip r:embed="rId8">
                 <a:extLst>
                   <a:ext uri="{28A0092B-C50C-407E-A947-70E740481C1C}">
                     <a14:useLocalDpi xmlns:a14="http://schemas.microsoft.com/office/drawing/2010/main" val="0"/>
@@ -5440,7 +5440,7 @@
               <p:nvPr/>
             </p:nvPicPr>
             <p:blipFill>
-              <a:blip r:embed="rId4"/>
+              <a:blip r:embed="rId5"/>
               <a:stretch>
                 <a:fillRect/>
               </a:stretch>
@@ -5531,7 +5531,7 @@
               <p:nvPr/>
             </p:nvPicPr>
             <p:blipFill rotWithShape="1">
-              <a:blip r:embed="rId6">
+              <a:blip r:embed="rId7">
                 <a:extLst>
                   <a:ext uri="{28A0092B-C50C-407E-A947-70E740481C1C}">
                     <a14:useLocalDpi xmlns:a14="http://schemas.microsoft.com/office/drawing/2010/main" val="0"/>
@@ -5619,7 +5619,7 @@
               <p:nvPr/>
             </p:nvPicPr>
             <p:blipFill>
-              <a:blip r:embed="rId7">
+              <a:blip r:embed="rId8">
                 <a:extLst>
                   <a:ext uri="{28A0092B-C50C-407E-A947-70E740481C1C}">
                     <a14:useLocalDpi xmlns:a14="http://schemas.microsoft.com/office/drawing/2010/main" val="0"/>
@@ -5912,7 +5912,7 @@
               <p:nvPr/>
             </p:nvPicPr>
             <p:blipFill>
-              <a:blip r:embed="rId4"/>
+              <a:blip r:embed="rId5"/>
               <a:stretch>
                 <a:fillRect/>
               </a:stretch>
@@ -6003,7 +6003,7 @@
               <p:nvPr/>
             </p:nvPicPr>
             <p:blipFill rotWithShape="1">
-              <a:blip r:embed="rId6">
+              <a:blip r:embed="rId7">
                 <a:extLst>
                   <a:ext uri="{28A0092B-C50C-407E-A947-70E740481C1C}">
                     <a14:useLocalDpi xmlns:a14="http://schemas.microsoft.com/office/drawing/2010/main" val="0"/>
@@ -6091,7 +6091,7 @@
               <p:nvPr/>
             </p:nvPicPr>
             <p:blipFill>
-              <a:blip r:embed="rId7">
+              <a:blip r:embed="rId8">
                 <a:extLst>
                   <a:ext uri="{28A0092B-C50C-407E-A947-70E740481C1C}">
                     <a14:useLocalDpi xmlns:a14="http://schemas.microsoft.com/office/drawing/2010/main" val="0"/>
@@ -6303,6 +6303,36 @@
           </p:pic>
         </p:grpSp>
       </p:grpSp>
+      <p:pic>
+        <p:nvPicPr>
+          <p:cNvPr id="248" name="Picture 247" descr="NeuronDendrite.pdf"/>
+          <p:cNvPicPr>
+            <a:picLocks noChangeAspect="1"/>
+          </p:cNvPicPr>
+          <p:nvPr/>
+        </p:nvPicPr>
+        <p:blipFill>
+          <a:blip r:embed="rId14">
+            <a:extLst>
+              <a:ext uri="{28A0092B-C50C-407E-A947-70E740481C1C}">
+                <a14:useLocalDpi xmlns:a14="http://schemas.microsoft.com/office/drawing/2010/main" val="0"/>
+              </a:ext>
+            </a:extLst>
+          </a:blip>
+          <a:stretch>
+            <a:fillRect/>
+          </a:stretch>
+        </p:blipFill>
+        <p:spPr>
+          <a:xfrm rot="4433504">
+            <a:off x="18316237" y="4717859"/>
+            <a:ext cx="755135" cy="327225"/>
+          </a:xfrm>
+          <a:prstGeom prst="rect">
+            <a:avLst/>
+          </a:prstGeom>
+        </p:spPr>
+      </p:pic>
     </p:spTree>
     <p:extLst>
       <p:ext uri="{BB962C8B-B14F-4D97-AF65-F5344CB8AC3E}">

--- a/Presentations/board.pptx
+++ b/Presentations/board.pptx
@@ -288,7 +288,7 @@
           <a:p>
             <a:fld id="{5FE470A5-DFD1-1A4E-ACA4-EF9DA8B84F4E}" type="datetimeFigureOut">
               <a:rPr lang="en-US" smtClean="0"/>
-              <a:t>5/1/15</a:t>
+              <a:t>6/23/15</a:t>
             </a:fld>
             <a:endParaRPr lang="en-US"/>
           </a:p>
@@ -458,7 +458,7 @@
           <a:p>
             <a:fld id="{5FE470A5-DFD1-1A4E-ACA4-EF9DA8B84F4E}" type="datetimeFigureOut">
               <a:rPr lang="en-US" smtClean="0"/>
-              <a:t>5/1/15</a:t>
+              <a:t>6/23/15</a:t>
             </a:fld>
             <a:endParaRPr lang="en-US"/>
           </a:p>
@@ -638,7 +638,7 @@
           <a:p>
             <a:fld id="{5FE470A5-DFD1-1A4E-ACA4-EF9DA8B84F4E}" type="datetimeFigureOut">
               <a:rPr lang="en-US" smtClean="0"/>
-              <a:t>5/1/15</a:t>
+              <a:t>6/23/15</a:t>
             </a:fld>
             <a:endParaRPr lang="en-US"/>
           </a:p>
@@ -808,7 +808,7 @@
           <a:p>
             <a:fld id="{5FE470A5-DFD1-1A4E-ACA4-EF9DA8B84F4E}" type="datetimeFigureOut">
               <a:rPr lang="en-US" smtClean="0"/>
-              <a:t>5/1/15</a:t>
+              <a:t>6/23/15</a:t>
             </a:fld>
             <a:endParaRPr lang="en-US"/>
           </a:p>
@@ -1054,7 +1054,7 @@
           <a:p>
             <a:fld id="{5FE470A5-DFD1-1A4E-ACA4-EF9DA8B84F4E}" type="datetimeFigureOut">
               <a:rPr lang="en-US" smtClean="0"/>
-              <a:t>5/1/15</a:t>
+              <a:t>6/23/15</a:t>
             </a:fld>
             <a:endParaRPr lang="en-US"/>
           </a:p>
@@ -1342,7 +1342,7 @@
           <a:p>
             <a:fld id="{5FE470A5-DFD1-1A4E-ACA4-EF9DA8B84F4E}" type="datetimeFigureOut">
               <a:rPr lang="en-US" smtClean="0"/>
-              <a:t>5/1/15</a:t>
+              <a:t>6/23/15</a:t>
             </a:fld>
             <a:endParaRPr lang="en-US"/>
           </a:p>
@@ -1769,7 +1769,7 @@
           <a:p>
             <a:fld id="{5FE470A5-DFD1-1A4E-ACA4-EF9DA8B84F4E}" type="datetimeFigureOut">
               <a:rPr lang="en-US" smtClean="0"/>
-              <a:t>5/1/15</a:t>
+              <a:t>6/23/15</a:t>
             </a:fld>
             <a:endParaRPr lang="en-US"/>
           </a:p>
@@ -1887,7 +1887,7 @@
           <a:p>
             <a:fld id="{5FE470A5-DFD1-1A4E-ACA4-EF9DA8B84F4E}" type="datetimeFigureOut">
               <a:rPr lang="en-US" smtClean="0"/>
-              <a:t>5/1/15</a:t>
+              <a:t>6/23/15</a:t>
             </a:fld>
             <a:endParaRPr lang="en-US"/>
           </a:p>
@@ -1982,7 +1982,7 @@
           <a:p>
             <a:fld id="{5FE470A5-DFD1-1A4E-ACA4-EF9DA8B84F4E}" type="datetimeFigureOut">
               <a:rPr lang="en-US" smtClean="0"/>
-              <a:t>5/1/15</a:t>
+              <a:t>6/23/15</a:t>
             </a:fld>
             <a:endParaRPr lang="en-US"/>
           </a:p>
@@ -2259,7 +2259,7 @@
           <a:p>
             <a:fld id="{5FE470A5-DFD1-1A4E-ACA4-EF9DA8B84F4E}" type="datetimeFigureOut">
               <a:rPr lang="en-US" smtClean="0"/>
-              <a:t>5/1/15</a:t>
+              <a:t>6/23/15</a:t>
             </a:fld>
             <a:endParaRPr lang="en-US"/>
           </a:p>
@@ -2512,7 +2512,7 @@
           <a:p>
             <a:fld id="{5FE470A5-DFD1-1A4E-ACA4-EF9DA8B84F4E}" type="datetimeFigureOut">
               <a:rPr lang="en-US" smtClean="0"/>
-              <a:t>5/1/15</a:t>
+              <a:t>6/23/15</a:t>
             </a:fld>
             <a:endParaRPr lang="en-US"/>
           </a:p>
@@ -2725,7 +2725,7 @@
           <a:p>
             <a:fld id="{5FE470A5-DFD1-1A4E-ACA4-EF9DA8B84F4E}" type="datetimeFigureOut">
               <a:rPr lang="en-US" smtClean="0"/>
-              <a:t>5/1/15</a:t>
+              <a:t>6/23/15</a:t>
             </a:fld>
             <a:endParaRPr lang="en-US"/>
           </a:p>
@@ -3328,11 +3328,7 @@
             <a:pPr algn="r"/>
             <a:r>
               <a:rPr lang="en-US" sz="3200" dirty="0" smtClean="0"/>
-              <a:t>Patch d</a:t>
-            </a:r>
-            <a:r>
-              <a:rPr lang="en-US" sz="3200" dirty="0" smtClean="0"/>
-              <a:t>amaged </a:t>
+              <a:t>Patch damaged </a:t>
             </a:r>
             <a:r>
               <a:rPr lang="en-US" sz="3200" dirty="0"/>
@@ -3340,7 +3336,7 @@
             </a:r>
             <a:r>
               <a:rPr lang="en-US" sz="3200" dirty="0" smtClean="0"/>
-              <a:t>vessels</a:t>
+              <a:t>vessels!</a:t>
             </a:r>
             <a:endParaRPr lang="en-US" sz="3200" dirty="0"/>
           </a:p>
@@ -3369,8 +3365,12 @@
           <a:lstStyle/>
           <a:p>
             <a:r>
+              <a:rPr lang="en-US" sz="3200" smtClean="0"/>
+              <a:t>Reconnect </a:t>
+            </a:r>
+            <a:r>
               <a:rPr lang="en-US" sz="3200" dirty="0" smtClean="0"/>
-              <a:t>Reconnect a severed neuron</a:t>
+              <a:t>severed neuron</a:t>
             </a:r>
             <a:endParaRPr lang="en-US" sz="3200" dirty="0"/>
           </a:p>
@@ -3434,10 +3434,6 @@
             </a:p>
             <a:p>
               <a:pPr algn="ctr"/>
-              <a:r>
-                <a:rPr lang="en-US" dirty="0"/>
-                <a:t/>
-              </a:r>
               <a:endParaRPr lang="en-US" dirty="0"/>
             </a:p>
           </p:txBody>
@@ -3857,10 +3853,6 @@
             </a:p>
             <a:p>
               <a:pPr algn="ctr"/>
-              <a:r>
-                <a:rPr lang="en-US" dirty="0"/>
-                <a:t/>
-              </a:r>
               <a:endParaRPr lang="en-US" dirty="0"/>
             </a:p>
           </p:txBody>
@@ -4097,10 +4089,6 @@
                 </a:p>
                 <a:p>
                   <a:pPr algn="ctr"/>
-                  <a:r>
-                    <a:rPr lang="en-US" dirty="0"/>
-                    <a:t/>
-                  </a:r>
                   <a:endParaRPr lang="en-US" dirty="0"/>
                 </a:p>
               </p:txBody>
@@ -4374,10 +4362,6 @@
                 </a:p>
                 <a:p>
                   <a:pPr algn="ctr"/>
-                  <a:r>
-                    <a:rPr lang="en-US" dirty="0"/>
-                    <a:t/>
-                  </a:r>
                   <a:endParaRPr lang="en-US" dirty="0"/>
                 </a:p>
               </p:txBody>
@@ -4570,10 +4554,6 @@
               </a:p>
               <a:p>
                 <a:pPr algn="ctr"/>
-                <a:r>
-                  <a:rPr lang="en-US" dirty="0"/>
-                  <a:t/>
-                </a:r>
                 <a:endParaRPr lang="en-US" dirty="0"/>
               </a:p>
             </p:txBody>
@@ -4847,10 +4827,6 @@
               </a:p>
               <a:p>
                 <a:pPr algn="ctr"/>
-                <a:r>
-                  <a:rPr lang="en-US" dirty="0"/>
-                  <a:t/>
-                </a:r>
                 <a:endParaRPr lang="en-US" dirty="0"/>
               </a:p>
             </p:txBody>
@@ -5042,10 +5018,6 @@
               </a:p>
               <a:p>
                 <a:pPr algn="ctr"/>
-                <a:r>
-                  <a:rPr lang="en-US" dirty="0"/>
-                  <a:t/>
-                </a:r>
                 <a:endParaRPr lang="en-US" dirty="0"/>
               </a:p>
             </p:txBody>
@@ -5319,10 +5291,6 @@
               </a:p>
               <a:p>
                 <a:pPr algn="ctr"/>
-                <a:r>
-                  <a:rPr lang="en-US" dirty="0"/>
-                  <a:t/>
-                </a:r>
                 <a:endParaRPr lang="en-US" dirty="0"/>
               </a:p>
             </p:txBody>
@@ -5514,10 +5482,6 @@
               </a:p>
               <a:p>
                 <a:pPr algn="ctr"/>
-                <a:r>
-                  <a:rPr lang="en-US" dirty="0"/>
-                  <a:t/>
-                </a:r>
                 <a:endParaRPr lang="en-US" dirty="0"/>
               </a:p>
             </p:txBody>
@@ -5791,10 +5755,6 @@
               </a:p>
               <a:p>
                 <a:pPr algn="ctr"/>
-                <a:r>
-                  <a:rPr lang="en-US" dirty="0"/>
-                  <a:t/>
-                </a:r>
                 <a:endParaRPr lang="en-US" dirty="0"/>
               </a:p>
             </p:txBody>
@@ -5986,10 +5946,6 @@
               </a:p>
               <a:p>
                 <a:pPr algn="ctr"/>
-                <a:r>
-                  <a:rPr lang="en-US" dirty="0"/>
-                  <a:t/>
-                </a:r>
                 <a:endParaRPr lang="en-US" dirty="0"/>
               </a:p>
             </p:txBody>
@@ -6263,10 +6219,6 @@
               </a:p>
               <a:p>
                 <a:pPr algn="ctr"/>
-                <a:r>
-                  <a:rPr lang="en-US" dirty="0"/>
-                  <a:t/>
-                </a:r>
                 <a:endParaRPr lang="en-US" dirty="0"/>
               </a:p>
             </p:txBody>
